--- a/Bayes.pptx
+++ b/Bayes.pptx
@@ -4,12 +4,16 @@
   <p:sldMasterIdLst>
     <p:sldMasterId id="2147483660" r:id="rId1"/>
   </p:sldMasterIdLst>
+  <p:notesMasterIdLst>
+    <p:notesMasterId r:id="rId8"/>
+  </p:notesMasterIdLst>
   <p:sldIdLst>
     <p:sldId id="256" r:id="rId2"/>
     <p:sldId id="257" r:id="rId3"/>
     <p:sldId id="258" r:id="rId4"/>
     <p:sldId id="259" r:id="rId5"/>
     <p:sldId id="260" r:id="rId6"/>
+    <p:sldId id="261" r:id="rId7"/>
   </p:sldIdLst>
   <p:sldSz cx="9144000" cy="6858000" type="screen4x3"/>
   <p:notesSz cx="6858000" cy="9144000"/>
@@ -108,7 +112,448 @@
       </a:defRPr>
     </a:lvl9pPr>
   </p:defaultTextStyle>
+  <p:extLst>
+    <p:ext uri="{EFAFB233-063F-42B5-8137-9DF3F51BA10A}">
+      <p15:sldGuideLst xmlns:p15="http://schemas.microsoft.com/office/powerpoint/2012/main"/>
+    </p:ext>
+  </p:extLst>
 </p:presentation>
+</file>
+
+<file path=ppt/notesMasters/notesMaster1.xml><?xml version="1.0" encoding="utf-8"?>
+<p:notesMaster xmlns:a="http://schemas.openxmlformats.org/drawingml/2006/main" xmlns:r="http://schemas.openxmlformats.org/officeDocument/2006/relationships" xmlns:p="http://schemas.openxmlformats.org/presentationml/2006/main">
+  <p:cSld>
+    <p:bg>
+      <p:bgRef idx="1001">
+        <a:schemeClr val="bg1"/>
+      </p:bgRef>
+    </p:bg>
+    <p:spTree>
+      <p:nvGrpSpPr>
+        <p:cNvPr id="1" name=""/>
+        <p:cNvGrpSpPr/>
+        <p:nvPr/>
+      </p:nvGrpSpPr>
+      <p:grpSpPr>
+        <a:xfrm>
+          <a:off x="0" y="0"/>
+          <a:ext cx="0" cy="0"/>
+          <a:chOff x="0" y="0"/>
+          <a:chExt cx="0" cy="0"/>
+        </a:xfrm>
+      </p:grpSpPr>
+      <p:sp>
+        <p:nvSpPr>
+          <p:cNvPr id="2" name="Header Placeholder 1"/>
+          <p:cNvSpPr>
+            <a:spLocks noGrp="1"/>
+          </p:cNvSpPr>
+          <p:nvPr>
+            <p:ph type="hdr" sz="quarter"/>
+          </p:nvPr>
+        </p:nvSpPr>
+        <p:spPr>
+          <a:xfrm>
+            <a:off x="0" y="0"/>
+            <a:ext cx="2971800" cy="458788"/>
+          </a:xfrm>
+          <a:prstGeom prst="rect">
+            <a:avLst/>
+          </a:prstGeom>
+        </p:spPr>
+        <p:txBody>
+          <a:bodyPr vert="horz" lIns="91440" tIns="45720" rIns="91440" bIns="45720" rtlCol="0"/>
+          <a:lstStyle>
+            <a:lvl1pPr algn="l">
+              <a:defRPr sz="1200"/>
+            </a:lvl1pPr>
+          </a:lstStyle>
+          <a:p>
+            <a:endParaRPr lang="en-US"/>
+          </a:p>
+        </p:txBody>
+      </p:sp>
+      <p:sp>
+        <p:nvSpPr>
+          <p:cNvPr id="3" name="Date Placeholder 2"/>
+          <p:cNvSpPr>
+            <a:spLocks noGrp="1"/>
+          </p:cNvSpPr>
+          <p:nvPr>
+            <p:ph type="dt" idx="1"/>
+          </p:nvPr>
+        </p:nvSpPr>
+        <p:spPr>
+          <a:xfrm>
+            <a:off x="3884613" y="0"/>
+            <a:ext cx="2971800" cy="458788"/>
+          </a:xfrm>
+          <a:prstGeom prst="rect">
+            <a:avLst/>
+          </a:prstGeom>
+        </p:spPr>
+        <p:txBody>
+          <a:bodyPr vert="horz" lIns="91440" tIns="45720" rIns="91440" bIns="45720" rtlCol="0"/>
+          <a:lstStyle>
+            <a:lvl1pPr algn="r">
+              <a:defRPr sz="1200"/>
+            </a:lvl1pPr>
+          </a:lstStyle>
+          <a:p>
+            <a:fld id="{0A780E28-6F28-47DE-A0C7-E526EBF7CB1E}" type="datetimeFigureOut">
+              <a:rPr lang="en-US" smtClean="0"/>
+              <a:t>1/17/2021</a:t>
+            </a:fld>
+            <a:endParaRPr lang="en-US"/>
+          </a:p>
+        </p:txBody>
+      </p:sp>
+      <p:sp>
+        <p:nvSpPr>
+          <p:cNvPr id="4" name="Slide Image Placeholder 3"/>
+          <p:cNvSpPr>
+            <a:spLocks noGrp="1" noRot="1" noChangeAspect="1"/>
+          </p:cNvSpPr>
+          <p:nvPr>
+            <p:ph type="sldImg" idx="2"/>
+          </p:nvPr>
+        </p:nvSpPr>
+        <p:spPr>
+          <a:xfrm>
+            <a:off x="1371600" y="1143000"/>
+            <a:ext cx="4114800" cy="3086100"/>
+          </a:xfrm>
+          <a:prstGeom prst="rect">
+            <a:avLst/>
+          </a:prstGeom>
+          <a:noFill/>
+          <a:ln w="12700">
+            <a:solidFill>
+              <a:prstClr val="black"/>
+            </a:solidFill>
+          </a:ln>
+        </p:spPr>
+        <p:txBody>
+          <a:bodyPr vert="horz" lIns="91440" tIns="45720" rIns="91440" bIns="45720" rtlCol="0" anchor="ctr"/>
+          <a:lstStyle/>
+          <a:p>
+            <a:endParaRPr lang="en-US"/>
+          </a:p>
+        </p:txBody>
+      </p:sp>
+      <p:sp>
+        <p:nvSpPr>
+          <p:cNvPr id="5" name="Notes Placeholder 4"/>
+          <p:cNvSpPr>
+            <a:spLocks noGrp="1"/>
+          </p:cNvSpPr>
+          <p:nvPr>
+            <p:ph type="body" sz="quarter" idx="3"/>
+          </p:nvPr>
+        </p:nvSpPr>
+        <p:spPr>
+          <a:xfrm>
+            <a:off x="685800" y="4400550"/>
+            <a:ext cx="5486400" cy="3600450"/>
+          </a:xfrm>
+          <a:prstGeom prst="rect">
+            <a:avLst/>
+          </a:prstGeom>
+        </p:spPr>
+        <p:txBody>
+          <a:bodyPr vert="horz" lIns="91440" tIns="45720" rIns="91440" bIns="45720" rtlCol="0"/>
+          <a:lstStyle/>
+          <a:p>
+            <a:pPr lvl="0"/>
+            <a:r>
+              <a:rPr lang="en-US"/>
+              <a:t>Click to edit Master text styles</a:t>
+            </a:r>
+          </a:p>
+          <a:p>
+            <a:pPr lvl="1"/>
+            <a:r>
+              <a:rPr lang="en-US"/>
+              <a:t>Second level</a:t>
+            </a:r>
+          </a:p>
+          <a:p>
+            <a:pPr lvl="2"/>
+            <a:r>
+              <a:rPr lang="en-US"/>
+              <a:t>Third level</a:t>
+            </a:r>
+          </a:p>
+          <a:p>
+            <a:pPr lvl="3"/>
+            <a:r>
+              <a:rPr lang="en-US"/>
+              <a:t>Fourth level</a:t>
+            </a:r>
+          </a:p>
+          <a:p>
+            <a:pPr lvl="4"/>
+            <a:r>
+              <a:rPr lang="en-US"/>
+              <a:t>Fifth level</a:t>
+            </a:r>
+          </a:p>
+        </p:txBody>
+      </p:sp>
+      <p:sp>
+        <p:nvSpPr>
+          <p:cNvPr id="6" name="Footer Placeholder 5"/>
+          <p:cNvSpPr>
+            <a:spLocks noGrp="1"/>
+          </p:cNvSpPr>
+          <p:nvPr>
+            <p:ph type="ftr" sz="quarter" idx="4"/>
+          </p:nvPr>
+        </p:nvSpPr>
+        <p:spPr>
+          <a:xfrm>
+            <a:off x="0" y="8685213"/>
+            <a:ext cx="2971800" cy="458787"/>
+          </a:xfrm>
+          <a:prstGeom prst="rect">
+            <a:avLst/>
+          </a:prstGeom>
+        </p:spPr>
+        <p:txBody>
+          <a:bodyPr vert="horz" lIns="91440" tIns="45720" rIns="91440" bIns="45720" rtlCol="0" anchor="b"/>
+          <a:lstStyle>
+            <a:lvl1pPr algn="l">
+              <a:defRPr sz="1200"/>
+            </a:lvl1pPr>
+          </a:lstStyle>
+          <a:p>
+            <a:endParaRPr lang="en-US"/>
+          </a:p>
+        </p:txBody>
+      </p:sp>
+      <p:sp>
+        <p:nvSpPr>
+          <p:cNvPr id="7" name="Slide Number Placeholder 6"/>
+          <p:cNvSpPr>
+            <a:spLocks noGrp="1"/>
+          </p:cNvSpPr>
+          <p:nvPr>
+            <p:ph type="sldNum" sz="quarter" idx="5"/>
+          </p:nvPr>
+        </p:nvSpPr>
+        <p:spPr>
+          <a:xfrm>
+            <a:off x="3884613" y="8685213"/>
+            <a:ext cx="2971800" cy="458787"/>
+          </a:xfrm>
+          <a:prstGeom prst="rect">
+            <a:avLst/>
+          </a:prstGeom>
+        </p:spPr>
+        <p:txBody>
+          <a:bodyPr vert="horz" lIns="91440" tIns="45720" rIns="91440" bIns="45720" rtlCol="0" anchor="b"/>
+          <a:lstStyle>
+            <a:lvl1pPr algn="r">
+              <a:defRPr sz="1200"/>
+            </a:lvl1pPr>
+          </a:lstStyle>
+          <a:p>
+            <a:fld id="{0EC058F7-4266-462B-A0E6-C2F620D43FA4}" type="slidenum">
+              <a:rPr lang="en-US" smtClean="0"/>
+              <a:t>‹#›</a:t>
+            </a:fld>
+            <a:endParaRPr lang="en-US"/>
+          </a:p>
+        </p:txBody>
+      </p:sp>
+    </p:spTree>
+    <p:extLst>
+      <p:ext uri="{BB962C8B-B14F-4D97-AF65-F5344CB8AC3E}">
+        <p14:creationId xmlns:p14="http://schemas.microsoft.com/office/powerpoint/2010/main" val="1182812988"/>
+      </p:ext>
+    </p:extLst>
+  </p:cSld>
+  <p:clrMap bg1="lt1" tx1="dk1" bg2="lt2" tx2="dk2" accent1="accent1" accent2="accent2" accent3="accent3" accent4="accent4" accent5="accent5" accent6="accent6" hlink="hlink" folHlink="folHlink"/>
+  <p:notesStyle>
+    <a:lvl1pPr marL="0" algn="l" defTabSz="914400" rtl="0" eaLnBrk="1" latinLnBrk="0" hangingPunct="1">
+      <a:defRPr sz="1200" kern="1200">
+        <a:solidFill>
+          <a:schemeClr val="tx1"/>
+        </a:solidFill>
+        <a:latin typeface="+mn-lt"/>
+        <a:ea typeface="+mn-ea"/>
+        <a:cs typeface="+mn-cs"/>
+      </a:defRPr>
+    </a:lvl1pPr>
+    <a:lvl2pPr marL="457200" algn="l" defTabSz="914400" rtl="0" eaLnBrk="1" latinLnBrk="0" hangingPunct="1">
+      <a:defRPr sz="1200" kern="1200">
+        <a:solidFill>
+          <a:schemeClr val="tx1"/>
+        </a:solidFill>
+        <a:latin typeface="+mn-lt"/>
+        <a:ea typeface="+mn-ea"/>
+        <a:cs typeface="+mn-cs"/>
+      </a:defRPr>
+    </a:lvl2pPr>
+    <a:lvl3pPr marL="914400" algn="l" defTabSz="914400" rtl="0" eaLnBrk="1" latinLnBrk="0" hangingPunct="1">
+      <a:defRPr sz="1200" kern="1200">
+        <a:solidFill>
+          <a:schemeClr val="tx1"/>
+        </a:solidFill>
+        <a:latin typeface="+mn-lt"/>
+        <a:ea typeface="+mn-ea"/>
+        <a:cs typeface="+mn-cs"/>
+      </a:defRPr>
+    </a:lvl3pPr>
+    <a:lvl4pPr marL="1371600" algn="l" defTabSz="914400" rtl="0" eaLnBrk="1" latinLnBrk="0" hangingPunct="1">
+      <a:defRPr sz="1200" kern="1200">
+        <a:solidFill>
+          <a:schemeClr val="tx1"/>
+        </a:solidFill>
+        <a:latin typeface="+mn-lt"/>
+        <a:ea typeface="+mn-ea"/>
+        <a:cs typeface="+mn-cs"/>
+      </a:defRPr>
+    </a:lvl4pPr>
+    <a:lvl5pPr marL="1828800" algn="l" defTabSz="914400" rtl="0" eaLnBrk="1" latinLnBrk="0" hangingPunct="1">
+      <a:defRPr sz="1200" kern="1200">
+        <a:solidFill>
+          <a:schemeClr val="tx1"/>
+        </a:solidFill>
+        <a:latin typeface="+mn-lt"/>
+        <a:ea typeface="+mn-ea"/>
+        <a:cs typeface="+mn-cs"/>
+      </a:defRPr>
+    </a:lvl5pPr>
+    <a:lvl6pPr marL="2286000" algn="l" defTabSz="914400" rtl="0" eaLnBrk="1" latinLnBrk="0" hangingPunct="1">
+      <a:defRPr sz="1200" kern="1200">
+        <a:solidFill>
+          <a:schemeClr val="tx1"/>
+        </a:solidFill>
+        <a:latin typeface="+mn-lt"/>
+        <a:ea typeface="+mn-ea"/>
+        <a:cs typeface="+mn-cs"/>
+      </a:defRPr>
+    </a:lvl6pPr>
+    <a:lvl7pPr marL="2743200" algn="l" defTabSz="914400" rtl="0" eaLnBrk="1" latinLnBrk="0" hangingPunct="1">
+      <a:defRPr sz="1200" kern="1200">
+        <a:solidFill>
+          <a:schemeClr val="tx1"/>
+        </a:solidFill>
+        <a:latin typeface="+mn-lt"/>
+        <a:ea typeface="+mn-ea"/>
+        <a:cs typeface="+mn-cs"/>
+      </a:defRPr>
+    </a:lvl7pPr>
+    <a:lvl8pPr marL="3200400" algn="l" defTabSz="914400" rtl="0" eaLnBrk="1" latinLnBrk="0" hangingPunct="1">
+      <a:defRPr sz="1200" kern="1200">
+        <a:solidFill>
+          <a:schemeClr val="tx1"/>
+        </a:solidFill>
+        <a:latin typeface="+mn-lt"/>
+        <a:ea typeface="+mn-ea"/>
+        <a:cs typeface="+mn-cs"/>
+      </a:defRPr>
+    </a:lvl8pPr>
+    <a:lvl9pPr marL="3657600" algn="l" defTabSz="914400" rtl="0" eaLnBrk="1" latinLnBrk="0" hangingPunct="1">
+      <a:defRPr sz="1200" kern="1200">
+        <a:solidFill>
+          <a:schemeClr val="tx1"/>
+        </a:solidFill>
+        <a:latin typeface="+mn-lt"/>
+        <a:ea typeface="+mn-ea"/>
+        <a:cs typeface="+mn-cs"/>
+      </a:defRPr>
+    </a:lvl9pPr>
+  </p:notesStyle>
+</p:notesMaster>
+</file>
+
+<file path=ppt/notesSlides/notesSlide1.xml><?xml version="1.0" encoding="utf-8"?>
+<p:notes xmlns:a="http://schemas.openxmlformats.org/drawingml/2006/main" xmlns:r="http://schemas.openxmlformats.org/officeDocument/2006/relationships" xmlns:p="http://schemas.openxmlformats.org/presentationml/2006/main">
+  <p:cSld>
+    <p:spTree>
+      <p:nvGrpSpPr>
+        <p:cNvPr id="1" name=""/>
+        <p:cNvGrpSpPr/>
+        <p:nvPr/>
+      </p:nvGrpSpPr>
+      <p:grpSpPr>
+        <a:xfrm>
+          <a:off x="0" y="0"/>
+          <a:ext cx="0" cy="0"/>
+          <a:chOff x="0" y="0"/>
+          <a:chExt cx="0" cy="0"/>
+        </a:xfrm>
+      </p:grpSpPr>
+      <p:sp>
+        <p:nvSpPr>
+          <p:cNvPr id="2" name="Slide Image Placeholder 1"/>
+          <p:cNvSpPr>
+            <a:spLocks noGrp="1" noRot="1" noChangeAspect="1"/>
+          </p:cNvSpPr>
+          <p:nvPr>
+            <p:ph type="sldImg"/>
+          </p:nvPr>
+        </p:nvSpPr>
+        <p:spPr/>
+      </p:sp>
+      <p:sp>
+        <p:nvSpPr>
+          <p:cNvPr id="3" name="Notes Placeholder 2"/>
+          <p:cNvSpPr>
+            <a:spLocks noGrp="1"/>
+          </p:cNvSpPr>
+          <p:nvPr>
+            <p:ph type="body" idx="1"/>
+          </p:nvPr>
+        </p:nvSpPr>
+        <p:spPr/>
+        <p:txBody>
+          <a:bodyPr/>
+          <a:lstStyle/>
+          <a:p>
+            <a:r>
+              <a:rPr lang="en-US" dirty="0"/>
+              <a:t>1960-1968</a:t>
+            </a:r>
+          </a:p>
+        </p:txBody>
+      </p:sp>
+      <p:sp>
+        <p:nvSpPr>
+          <p:cNvPr id="4" name="Slide Number Placeholder 3"/>
+          <p:cNvSpPr>
+            <a:spLocks noGrp="1"/>
+          </p:cNvSpPr>
+          <p:nvPr>
+            <p:ph type="sldNum" sz="quarter" idx="5"/>
+          </p:nvPr>
+        </p:nvSpPr>
+        <p:spPr/>
+        <p:txBody>
+          <a:bodyPr/>
+          <a:lstStyle/>
+          <a:p>
+            <a:fld id="{0EC058F7-4266-462B-A0E6-C2F620D43FA4}" type="slidenum">
+              <a:rPr lang="en-US" smtClean="0"/>
+              <a:t>3</a:t>
+            </a:fld>
+            <a:endParaRPr lang="en-US"/>
+          </a:p>
+        </p:txBody>
+      </p:sp>
+    </p:spTree>
+    <p:extLst>
+      <p:ext uri="{BB962C8B-B14F-4D97-AF65-F5344CB8AC3E}">
+        <p14:creationId xmlns:p14="http://schemas.microsoft.com/office/powerpoint/2010/main" val="1463935512"/>
+      </p:ext>
+    </p:extLst>
+  </p:cSld>
+  <p:clrMapOvr>
+    <a:masterClrMapping/>
+  </p:clrMapOvr>
+</p:notes>
 </file>
 
 <file path=ppt/slideLayouts/slideLayout1.xml><?xml version="1.0" encoding="utf-8"?>
@@ -290,7 +735,7 @@
           <a:p>
             <a:fld id="{68D3B5A7-DCDE-4C84-9542-F2A3E44F3D84}" type="datetimeFigureOut">
               <a:rPr lang="en-US" smtClean="0"/>
-              <a:t>7/6/2020</a:t>
+              <a:t>1/17/2021</a:t>
             </a:fld>
             <a:endParaRPr lang="en-US"/>
           </a:p>
@@ -458,7 +903,7 @@
           <a:p>
             <a:fld id="{68D3B5A7-DCDE-4C84-9542-F2A3E44F3D84}" type="datetimeFigureOut">
               <a:rPr lang="en-US" smtClean="0"/>
-              <a:t>7/6/2020</a:t>
+              <a:t>1/17/2021</a:t>
             </a:fld>
             <a:endParaRPr lang="en-US"/>
           </a:p>
@@ -636,7 +1081,7 @@
           <a:p>
             <a:fld id="{68D3B5A7-DCDE-4C84-9542-F2A3E44F3D84}" type="datetimeFigureOut">
               <a:rPr lang="en-US" smtClean="0"/>
-              <a:t>7/6/2020</a:t>
+              <a:t>1/17/2021</a:t>
             </a:fld>
             <a:endParaRPr lang="en-US"/>
           </a:p>
@@ -804,7 +1249,7 @@
           <a:p>
             <a:fld id="{68D3B5A7-DCDE-4C84-9542-F2A3E44F3D84}" type="datetimeFigureOut">
               <a:rPr lang="en-US" smtClean="0"/>
-              <a:t>7/6/2020</a:t>
+              <a:t>1/17/2021</a:t>
             </a:fld>
             <a:endParaRPr lang="en-US"/>
           </a:p>
@@ -1049,7 +1494,7 @@
           <a:p>
             <a:fld id="{68D3B5A7-DCDE-4C84-9542-F2A3E44F3D84}" type="datetimeFigureOut">
               <a:rPr lang="en-US" smtClean="0"/>
-              <a:t>7/6/2020</a:t>
+              <a:t>1/17/2021</a:t>
             </a:fld>
             <a:endParaRPr lang="en-US"/>
           </a:p>
@@ -1334,7 +1779,7 @@
           <a:p>
             <a:fld id="{68D3B5A7-DCDE-4C84-9542-F2A3E44F3D84}" type="datetimeFigureOut">
               <a:rPr lang="en-US" smtClean="0"/>
-              <a:t>7/6/2020</a:t>
+              <a:t>1/17/2021</a:t>
             </a:fld>
             <a:endParaRPr lang="en-US"/>
           </a:p>
@@ -1753,7 +2198,7 @@
           <a:p>
             <a:fld id="{68D3B5A7-DCDE-4C84-9542-F2A3E44F3D84}" type="datetimeFigureOut">
               <a:rPr lang="en-US" smtClean="0"/>
-              <a:t>7/6/2020</a:t>
+              <a:t>1/17/2021</a:t>
             </a:fld>
             <a:endParaRPr lang="en-US"/>
           </a:p>
@@ -1870,7 +2315,7 @@
           <a:p>
             <a:fld id="{68D3B5A7-DCDE-4C84-9542-F2A3E44F3D84}" type="datetimeFigureOut">
               <a:rPr lang="en-US" smtClean="0"/>
-              <a:t>7/6/2020</a:t>
+              <a:t>1/17/2021</a:t>
             </a:fld>
             <a:endParaRPr lang="en-US"/>
           </a:p>
@@ -1965,7 +2410,7 @@
           <a:p>
             <a:fld id="{68D3B5A7-DCDE-4C84-9542-F2A3E44F3D84}" type="datetimeFigureOut">
               <a:rPr lang="en-US" smtClean="0"/>
-              <a:t>7/6/2020</a:t>
+              <a:t>1/17/2021</a:t>
             </a:fld>
             <a:endParaRPr lang="en-US"/>
           </a:p>
@@ -2240,7 +2685,7 @@
           <a:p>
             <a:fld id="{68D3B5A7-DCDE-4C84-9542-F2A3E44F3D84}" type="datetimeFigureOut">
               <a:rPr lang="en-US" smtClean="0"/>
-              <a:t>7/6/2020</a:t>
+              <a:t>1/17/2021</a:t>
             </a:fld>
             <a:endParaRPr lang="en-US"/>
           </a:p>
@@ -2495,7 +2940,7 @@
           <a:p>
             <a:fld id="{68D3B5A7-DCDE-4C84-9542-F2A3E44F3D84}" type="datetimeFigureOut">
               <a:rPr lang="en-US" smtClean="0"/>
-              <a:t>7/6/2020</a:t>
+              <a:t>1/17/2021</a:t>
             </a:fld>
             <a:endParaRPr lang="en-US"/>
           </a:p>
@@ -2709,7 +3154,7 @@
           <a:p>
             <a:fld id="{68D3B5A7-DCDE-4C84-9542-F2A3E44F3D84}" type="datetimeFigureOut">
               <a:rPr lang="en-US" smtClean="0"/>
-              <a:t>7/6/2020</a:t>
+              <a:t>1/17/2021</a:t>
             </a:fld>
             <a:endParaRPr lang="en-US"/>
           </a:p>
@@ -3383,7 +3828,7 @@
           <p:nvPr/>
         </p:nvPicPr>
         <p:blipFill rotWithShape="1">
-          <a:blip r:embed="rId2">
+          <a:blip r:embed="rId3">
             <a:extLst>
               <a:ext uri="{28A0092B-C50C-407E-A947-70E740481C1C}">
                 <a14:useLocalDpi xmlns:a14="http://schemas.microsoft.com/office/drawing/2010/main" val="0"/>
@@ -3649,7 +4094,7 @@
           <a:p>
             <a:r>
               <a:rPr lang="en-US" dirty="0"/>
-              <a:t>On 17 January 1966, a B-52 bomber armed with 4 B28RI thermonuclear bombs collided with its refueller</a:t>
+              <a:t>On 17 January 1966, a B-52 bomber armed with 4 B-28-RI thermonuclear bombs collided with its refueller</a:t>
             </a:r>
           </a:p>
           <a:p>
@@ -3725,6 +4170,318 @@
     <p:extLst>
       <p:ext uri="{BB962C8B-B14F-4D97-AF65-F5344CB8AC3E}">
         <p14:creationId xmlns:p14="http://schemas.microsoft.com/office/powerpoint/2010/main" val="3844163246"/>
+      </p:ext>
+    </p:extLst>
+  </p:cSld>
+  <p:clrMapOvr>
+    <a:masterClrMapping/>
+  </p:clrMapOvr>
+</p:sld>
+</file>
+
+<file path=ppt/slides/slide6.xml><?xml version="1.0" encoding="utf-8"?>
+<p:sld xmlns:a="http://schemas.openxmlformats.org/drawingml/2006/main" xmlns:r="http://schemas.openxmlformats.org/officeDocument/2006/relationships" xmlns:p="http://schemas.openxmlformats.org/presentationml/2006/main">
+  <p:cSld>
+    <p:spTree>
+      <p:nvGrpSpPr>
+        <p:cNvPr id="1" name=""/>
+        <p:cNvGrpSpPr/>
+        <p:nvPr/>
+      </p:nvGrpSpPr>
+      <p:grpSpPr>
+        <a:xfrm>
+          <a:off x="0" y="0"/>
+          <a:ext cx="0" cy="0"/>
+          <a:chOff x="0" y="0"/>
+          <a:chExt cx="0" cy="0"/>
+        </a:xfrm>
+      </p:grpSpPr>
+      <p:sp>
+        <p:nvSpPr>
+          <p:cNvPr id="2" name="Title 1">
+            <a:extLst>
+              <a:ext uri="{FF2B5EF4-FFF2-40B4-BE49-F238E27FC236}">
+                <a16:creationId xmlns:a16="http://schemas.microsoft.com/office/drawing/2014/main" id="{CDF20E79-D7EF-485E-A613-1FBD0439DC9A}"/>
+              </a:ext>
+            </a:extLst>
+          </p:cNvPr>
+          <p:cNvSpPr>
+            <a:spLocks noGrp="1"/>
+          </p:cNvSpPr>
+          <p:nvPr>
+            <p:ph type="title"/>
+          </p:nvPr>
+        </p:nvSpPr>
+        <p:spPr/>
+        <p:txBody>
+          <a:bodyPr/>
+          <a:lstStyle/>
+          <a:p>
+            <a:r>
+              <a:rPr lang="en-US" dirty="0" err="1"/>
+              <a:t>Palomares</a:t>
+            </a:r>
+            <a:r>
+              <a:rPr lang="en-US" dirty="0"/>
+              <a:t> Incident</a:t>
+            </a:r>
+          </a:p>
+        </p:txBody>
+      </p:sp>
+      <p:sp>
+        <p:nvSpPr>
+          <p:cNvPr id="3" name="Content Placeholder 2">
+            <a:extLst>
+              <a:ext uri="{FF2B5EF4-FFF2-40B4-BE49-F238E27FC236}">
+                <a16:creationId xmlns:a16="http://schemas.microsoft.com/office/drawing/2014/main" id="{BCB73E35-1141-43CE-88E0-44DB16433E8D}"/>
+              </a:ext>
+            </a:extLst>
+          </p:cNvPr>
+          <p:cNvSpPr>
+            <a:spLocks noGrp="1"/>
+          </p:cNvSpPr>
+          <p:nvPr>
+            <p:ph idx="1"/>
+          </p:nvPr>
+        </p:nvSpPr>
+        <p:spPr/>
+        <p:txBody>
+          <a:bodyPr/>
+          <a:lstStyle/>
+          <a:p>
+            <a:r>
+              <a:rPr lang="en-US" dirty="0"/>
+              <a:t>Two of the four bombs hit the ground, detonating the high explosive and contaminating a wide area with plutonium </a:t>
+            </a:r>
+          </a:p>
+          <a:p>
+            <a:r>
+              <a:rPr lang="en-US" dirty="0"/>
+              <a:t>Another fell into a river, and was recovered relatively intact</a:t>
+            </a:r>
+          </a:p>
+          <a:p>
+            <a:r>
+              <a:rPr lang="en-US" dirty="0"/>
+              <a:t>The fourth bomb could not be found</a:t>
+            </a:r>
+          </a:p>
+          <a:p>
+            <a:pPr lvl="1"/>
+            <a:r>
+              <a:rPr lang="en-US" dirty="0"/>
+              <a:t>Evidence suggested that its retarding parachute had deployed, and allowed the bomb to be carried out to sea</a:t>
+            </a:r>
+          </a:p>
+        </p:txBody>
+      </p:sp>
+      <p:pic>
+        <p:nvPicPr>
+          <p:cNvPr id="4" name="Picture 3">
+            <a:extLst>
+              <a:ext uri="{FF2B5EF4-FFF2-40B4-BE49-F238E27FC236}">
+                <a16:creationId xmlns:a16="http://schemas.microsoft.com/office/drawing/2014/main" id="{27694549-8C50-411B-93ED-CE16F5A5179B}"/>
+              </a:ext>
+            </a:extLst>
+          </p:cNvPr>
+          <p:cNvPicPr>
+            <a:picLocks noChangeAspect="1"/>
+          </p:cNvPicPr>
+          <p:nvPr/>
+        </p:nvPicPr>
+        <p:blipFill>
+          <a:blip r:embed="rId2"/>
+          <a:stretch>
+            <a:fillRect/>
+          </a:stretch>
+        </p:blipFill>
+        <p:spPr>
+          <a:xfrm>
+            <a:off x="219075" y="4032159"/>
+            <a:ext cx="4276725" cy="2665898"/>
+          </a:xfrm>
+          <a:prstGeom prst="rect">
+            <a:avLst/>
+          </a:prstGeom>
+        </p:spPr>
+      </p:pic>
+      <p:pic>
+        <p:nvPicPr>
+          <p:cNvPr id="5" name="Picture 4">
+            <a:extLst>
+              <a:ext uri="{FF2B5EF4-FFF2-40B4-BE49-F238E27FC236}">
+                <a16:creationId xmlns:a16="http://schemas.microsoft.com/office/drawing/2014/main" id="{0A68B3B1-7738-47DE-8161-3AAE7CD2A413}"/>
+              </a:ext>
+            </a:extLst>
+          </p:cNvPr>
+          <p:cNvPicPr>
+            <a:picLocks noChangeAspect="1"/>
+          </p:cNvPicPr>
+          <p:nvPr/>
+        </p:nvPicPr>
+        <p:blipFill>
+          <a:blip r:embed="rId3"/>
+          <a:stretch>
+            <a:fillRect/>
+          </a:stretch>
+        </p:blipFill>
+        <p:spPr>
+          <a:xfrm>
+            <a:off x="5057777" y="4026334"/>
+            <a:ext cx="3867148" cy="2671723"/>
+          </a:xfrm>
+          <a:prstGeom prst="rect">
+            <a:avLst/>
+          </a:prstGeom>
+          <a:ln w="12700">
+            <a:solidFill>
+              <a:srgbClr val="FF0000"/>
+            </a:solidFill>
+          </a:ln>
+        </p:spPr>
+      </p:pic>
+      <p:sp>
+        <p:nvSpPr>
+          <p:cNvPr id="6" name="Rectangle 5">
+            <a:extLst>
+              <a:ext uri="{FF2B5EF4-FFF2-40B4-BE49-F238E27FC236}">
+                <a16:creationId xmlns:a16="http://schemas.microsoft.com/office/drawing/2014/main" id="{A56F7EB5-D852-47CD-A33D-DAFF85D5A536}"/>
+              </a:ext>
+            </a:extLst>
+          </p:cNvPr>
+          <p:cNvSpPr/>
+          <p:nvPr/>
+        </p:nvSpPr>
+        <p:spPr>
+          <a:xfrm>
+            <a:off x="2486025" y="5205413"/>
+            <a:ext cx="233363" cy="157162"/>
+          </a:xfrm>
+          <a:prstGeom prst="rect">
+            <a:avLst/>
+          </a:prstGeom>
+          <a:noFill/>
+          <a:ln w="12700">
+            <a:solidFill>
+              <a:srgbClr val="FF0000"/>
+            </a:solidFill>
+          </a:ln>
+        </p:spPr>
+        <p:style>
+          <a:lnRef idx="2">
+            <a:schemeClr val="accent1">
+              <a:shade val="50000"/>
+            </a:schemeClr>
+          </a:lnRef>
+          <a:fillRef idx="1">
+            <a:schemeClr val="accent1"/>
+          </a:fillRef>
+          <a:effectRef idx="0">
+            <a:schemeClr val="accent1"/>
+          </a:effectRef>
+          <a:fontRef idx="minor">
+            <a:schemeClr val="lt1"/>
+          </a:fontRef>
+        </p:style>
+        <p:txBody>
+          <a:bodyPr rtlCol="0" anchor="ctr"/>
+          <a:lstStyle/>
+          <a:p>
+            <a:pPr algn="ctr"/>
+            <a:endParaRPr lang="en-US"/>
+          </a:p>
+        </p:txBody>
+      </p:sp>
+      <p:cxnSp>
+        <p:nvCxnSpPr>
+          <p:cNvPr id="8" name="Straight Connector 7">
+            <a:extLst>
+              <a:ext uri="{FF2B5EF4-FFF2-40B4-BE49-F238E27FC236}">
+                <a16:creationId xmlns:a16="http://schemas.microsoft.com/office/drawing/2014/main" id="{F1C2623F-2533-4060-B942-97B875FCE2A3}"/>
+              </a:ext>
+            </a:extLst>
+          </p:cNvPr>
+          <p:cNvCxnSpPr>
+            <a:cxnSpLocks/>
+          </p:cNvCxnSpPr>
+          <p:nvPr/>
+        </p:nvCxnSpPr>
+        <p:spPr>
+          <a:xfrm flipV="1">
+            <a:off x="2486025" y="4026334"/>
+            <a:ext cx="2571752" cy="1179079"/>
+          </a:xfrm>
+          <a:prstGeom prst="line">
+            <a:avLst/>
+          </a:prstGeom>
+          <a:ln w="12700">
+            <a:solidFill>
+              <a:srgbClr val="FF0000"/>
+            </a:solidFill>
+          </a:ln>
+        </p:spPr>
+        <p:style>
+          <a:lnRef idx="1">
+            <a:schemeClr val="accent1"/>
+          </a:lnRef>
+          <a:fillRef idx="0">
+            <a:schemeClr val="accent1"/>
+          </a:fillRef>
+          <a:effectRef idx="0">
+            <a:schemeClr val="accent1"/>
+          </a:effectRef>
+          <a:fontRef idx="minor">
+            <a:schemeClr val="tx1"/>
+          </a:fontRef>
+        </p:style>
+      </p:cxnSp>
+      <p:cxnSp>
+        <p:nvCxnSpPr>
+          <p:cNvPr id="11" name="Straight Connector 10">
+            <a:extLst>
+              <a:ext uri="{FF2B5EF4-FFF2-40B4-BE49-F238E27FC236}">
+                <a16:creationId xmlns:a16="http://schemas.microsoft.com/office/drawing/2014/main" id="{7E31A982-4BDF-4E79-96D8-EBBDC33969D1}"/>
+              </a:ext>
+            </a:extLst>
+          </p:cNvPr>
+          <p:cNvCxnSpPr>
+            <a:cxnSpLocks/>
+          </p:cNvCxnSpPr>
+          <p:nvPr/>
+        </p:nvCxnSpPr>
+        <p:spPr>
+          <a:xfrm>
+            <a:off x="2486025" y="5362195"/>
+            <a:ext cx="2571752" cy="1335862"/>
+          </a:xfrm>
+          <a:prstGeom prst="line">
+            <a:avLst/>
+          </a:prstGeom>
+          <a:ln w="12700">
+            <a:solidFill>
+              <a:srgbClr val="FF0000"/>
+            </a:solidFill>
+          </a:ln>
+        </p:spPr>
+        <p:style>
+          <a:lnRef idx="1">
+            <a:schemeClr val="accent1"/>
+          </a:lnRef>
+          <a:fillRef idx="0">
+            <a:schemeClr val="accent1"/>
+          </a:fillRef>
+          <a:effectRef idx="0">
+            <a:schemeClr val="accent1"/>
+          </a:effectRef>
+          <a:fontRef idx="minor">
+            <a:schemeClr val="tx1"/>
+          </a:fontRef>
+        </p:style>
+      </p:cxnSp>
+    </p:spTree>
+    <p:extLst>
+      <p:ext uri="{BB962C8B-B14F-4D97-AF65-F5344CB8AC3E}">
+        <p14:creationId xmlns:p14="http://schemas.microsoft.com/office/powerpoint/2010/main" val="1653455497"/>
       </p:ext>
     </p:extLst>
   </p:cSld>
@@ -4022,4 +4779,299 @@
     </a:ext>
   </a:extLst>
 </a:theme>
+</file>
+
+<file path=ppt/theme/theme2.xml><?xml version="1.0" encoding="utf-8"?>
+<a:theme xmlns:a="http://schemas.openxmlformats.org/drawingml/2006/main" name="Office Theme">
+  <a:themeElements>
+    <a:clrScheme name="Office">
+      <a:dk1>
+        <a:sysClr val="windowText" lastClr="000000"/>
+      </a:dk1>
+      <a:lt1>
+        <a:sysClr val="window" lastClr="FFFFFF"/>
+      </a:lt1>
+      <a:dk2>
+        <a:srgbClr val="44546A"/>
+      </a:dk2>
+      <a:lt2>
+        <a:srgbClr val="E7E6E6"/>
+      </a:lt2>
+      <a:accent1>
+        <a:srgbClr val="4472C4"/>
+      </a:accent1>
+      <a:accent2>
+        <a:srgbClr val="ED7D31"/>
+      </a:accent2>
+      <a:accent3>
+        <a:srgbClr val="A5A5A5"/>
+      </a:accent3>
+      <a:accent4>
+        <a:srgbClr val="FFC000"/>
+      </a:accent4>
+      <a:accent5>
+        <a:srgbClr val="5B9BD5"/>
+      </a:accent5>
+      <a:accent6>
+        <a:srgbClr val="70AD47"/>
+      </a:accent6>
+      <a:hlink>
+        <a:srgbClr val="0563C1"/>
+      </a:hlink>
+      <a:folHlink>
+        <a:srgbClr val="954F72"/>
+      </a:folHlink>
+    </a:clrScheme>
+    <a:fontScheme name="Office">
+      <a:majorFont>
+        <a:latin typeface="Calibri Light" panose="020F0302020204030204"/>
+        <a:ea typeface=""/>
+        <a:cs typeface=""/>
+        <a:font script="Jpan" typeface="游ゴシック Light"/>
+        <a:font script="Hang" typeface="맑은 고딕"/>
+        <a:font script="Hans" typeface="等线 Light"/>
+        <a:font script="Hant" typeface="新細明體"/>
+        <a:font script="Arab" typeface="Times New Roman"/>
+        <a:font script="Hebr" typeface="Times New Roman"/>
+        <a:font script="Thai" typeface="Angsana New"/>
+        <a:font script="Ethi" typeface="Nyala"/>
+        <a:font script="Beng" typeface="Vrinda"/>
+        <a:font script="Gujr" typeface="Shruti"/>
+        <a:font script="Khmr" typeface="MoolBoran"/>
+        <a:font script="Knda" typeface="Tunga"/>
+        <a:font script="Guru" typeface="Raavi"/>
+        <a:font script="Cans" typeface="Euphemia"/>
+        <a:font script="Cher" typeface="Plantagenet Cherokee"/>
+        <a:font script="Yiii" typeface="Microsoft Yi Baiti"/>
+        <a:font script="Tibt" typeface="Microsoft Himalaya"/>
+        <a:font script="Thaa" typeface="MV Boli"/>
+        <a:font script="Deva" typeface="Mangal"/>
+        <a:font script="Telu" typeface="Gautami"/>
+        <a:font script="Taml" typeface="Latha"/>
+        <a:font script="Syrc" typeface="Estrangelo Edessa"/>
+        <a:font script="Orya" typeface="Kalinga"/>
+        <a:font script="Mlym" typeface="Kartika"/>
+        <a:font script="Laoo" typeface="DokChampa"/>
+        <a:font script="Sinh" typeface="Iskoola Pota"/>
+        <a:font script="Mong" typeface="Mongolian Baiti"/>
+        <a:font script="Viet" typeface="Times New Roman"/>
+        <a:font script="Uigh" typeface="Microsoft Uighur"/>
+        <a:font script="Geor" typeface="Sylfaen"/>
+        <a:font script="Armn" typeface="Arial"/>
+        <a:font script="Bugi" typeface="Leelawadee UI"/>
+        <a:font script="Bopo" typeface="Microsoft JhengHei"/>
+        <a:font script="Java" typeface="Javanese Text"/>
+        <a:font script="Lisu" typeface="Segoe UI"/>
+        <a:font script="Mymr" typeface="Myanmar Text"/>
+        <a:font script="Nkoo" typeface="Ebrima"/>
+        <a:font script="Olck" typeface="Nirmala UI"/>
+        <a:font script="Osma" typeface="Ebrima"/>
+        <a:font script="Phag" typeface="Phagspa"/>
+        <a:font script="Syrn" typeface="Estrangelo Edessa"/>
+        <a:font script="Syrj" typeface="Estrangelo Edessa"/>
+        <a:font script="Syre" typeface="Estrangelo Edessa"/>
+        <a:font script="Sora" typeface="Nirmala UI"/>
+        <a:font script="Tale" typeface="Microsoft Tai Le"/>
+        <a:font script="Talu" typeface="Microsoft New Tai Lue"/>
+        <a:font script="Tfng" typeface="Ebrima"/>
+      </a:majorFont>
+      <a:minorFont>
+        <a:latin typeface="Calibri" panose="020F0502020204030204"/>
+        <a:ea typeface=""/>
+        <a:cs typeface=""/>
+        <a:font script="Jpan" typeface="游ゴシック"/>
+        <a:font script="Hang" typeface="맑은 고딕"/>
+        <a:font script="Hans" typeface="等线"/>
+        <a:font script="Hant" typeface="新細明體"/>
+        <a:font script="Arab" typeface="Arial"/>
+        <a:font script="Hebr" typeface="Arial"/>
+        <a:font script="Thai" typeface="Cordia New"/>
+        <a:font script="Ethi" typeface="Nyala"/>
+        <a:font script="Beng" typeface="Vrinda"/>
+        <a:font script="Gujr" typeface="Shruti"/>
+        <a:font script="Khmr" typeface="DaunPenh"/>
+        <a:font script="Knda" typeface="Tunga"/>
+        <a:font script="Guru" typeface="Raavi"/>
+        <a:font script="Cans" typeface="Euphemia"/>
+        <a:font script="Cher" typeface="Plantagenet Cherokee"/>
+        <a:font script="Yiii" typeface="Microsoft Yi Baiti"/>
+        <a:font script="Tibt" typeface="Microsoft Himalaya"/>
+        <a:font script="Thaa" typeface="MV Boli"/>
+        <a:font script="Deva" typeface="Mangal"/>
+        <a:font script="Telu" typeface="Gautami"/>
+        <a:font script="Taml" typeface="Latha"/>
+        <a:font script="Syrc" typeface="Estrangelo Edessa"/>
+        <a:font script="Orya" typeface="Kalinga"/>
+        <a:font script="Mlym" typeface="Kartika"/>
+        <a:font script="Laoo" typeface="DokChampa"/>
+        <a:font script="Sinh" typeface="Iskoola Pota"/>
+        <a:font script="Mong" typeface="Mongolian Baiti"/>
+        <a:font script="Viet" typeface="Arial"/>
+        <a:font script="Uigh" typeface="Microsoft Uighur"/>
+        <a:font script="Geor" typeface="Sylfaen"/>
+        <a:font script="Armn" typeface="Arial"/>
+        <a:font script="Bugi" typeface="Leelawadee UI"/>
+        <a:font script="Bopo" typeface="Microsoft JhengHei"/>
+        <a:font script="Java" typeface="Javanese Text"/>
+        <a:font script="Lisu" typeface="Segoe UI"/>
+        <a:font script="Mymr" typeface="Myanmar Text"/>
+        <a:font script="Nkoo" typeface="Ebrima"/>
+        <a:font script="Olck" typeface="Nirmala UI"/>
+        <a:font script="Osma" typeface="Ebrima"/>
+        <a:font script="Phag" typeface="Phagspa"/>
+        <a:font script="Syrn" typeface="Estrangelo Edessa"/>
+        <a:font script="Syrj" typeface="Estrangelo Edessa"/>
+        <a:font script="Syre" typeface="Estrangelo Edessa"/>
+        <a:font script="Sora" typeface="Nirmala UI"/>
+        <a:font script="Tale" typeface="Microsoft Tai Le"/>
+        <a:font script="Talu" typeface="Microsoft New Tai Lue"/>
+        <a:font script="Tfng" typeface="Ebrima"/>
+      </a:minorFont>
+    </a:fontScheme>
+    <a:fmtScheme name="Office">
+      <a:fillStyleLst>
+        <a:solidFill>
+          <a:schemeClr val="phClr"/>
+        </a:solidFill>
+        <a:gradFill rotWithShape="1">
+          <a:gsLst>
+            <a:gs pos="0">
+              <a:schemeClr val="phClr">
+                <a:lumMod val="110000"/>
+                <a:satMod val="105000"/>
+                <a:tint val="67000"/>
+              </a:schemeClr>
+            </a:gs>
+            <a:gs pos="50000">
+              <a:schemeClr val="phClr">
+                <a:lumMod val="105000"/>
+                <a:satMod val="103000"/>
+                <a:tint val="73000"/>
+              </a:schemeClr>
+            </a:gs>
+            <a:gs pos="100000">
+              <a:schemeClr val="phClr">
+                <a:lumMod val="105000"/>
+                <a:satMod val="109000"/>
+                <a:tint val="81000"/>
+              </a:schemeClr>
+            </a:gs>
+          </a:gsLst>
+          <a:lin ang="5400000" scaled="0"/>
+        </a:gradFill>
+        <a:gradFill rotWithShape="1">
+          <a:gsLst>
+            <a:gs pos="0">
+              <a:schemeClr val="phClr">
+                <a:satMod val="103000"/>
+                <a:lumMod val="102000"/>
+                <a:tint val="94000"/>
+              </a:schemeClr>
+            </a:gs>
+            <a:gs pos="50000">
+              <a:schemeClr val="phClr">
+                <a:satMod val="110000"/>
+                <a:lumMod val="100000"/>
+                <a:shade val="100000"/>
+              </a:schemeClr>
+            </a:gs>
+            <a:gs pos="100000">
+              <a:schemeClr val="phClr">
+                <a:lumMod val="99000"/>
+                <a:satMod val="120000"/>
+                <a:shade val="78000"/>
+              </a:schemeClr>
+            </a:gs>
+          </a:gsLst>
+          <a:lin ang="5400000" scaled="0"/>
+        </a:gradFill>
+      </a:fillStyleLst>
+      <a:lnStyleLst>
+        <a:ln w="6350" cap="flat" cmpd="sng" algn="ctr">
+          <a:solidFill>
+            <a:schemeClr val="phClr"/>
+          </a:solidFill>
+          <a:prstDash val="solid"/>
+          <a:miter lim="800000"/>
+        </a:ln>
+        <a:ln w="12700" cap="flat" cmpd="sng" algn="ctr">
+          <a:solidFill>
+            <a:schemeClr val="phClr"/>
+          </a:solidFill>
+          <a:prstDash val="solid"/>
+          <a:miter lim="800000"/>
+        </a:ln>
+        <a:ln w="19050" cap="flat" cmpd="sng" algn="ctr">
+          <a:solidFill>
+            <a:schemeClr val="phClr"/>
+          </a:solidFill>
+          <a:prstDash val="solid"/>
+          <a:miter lim="800000"/>
+        </a:ln>
+      </a:lnStyleLst>
+      <a:effectStyleLst>
+        <a:effectStyle>
+          <a:effectLst/>
+        </a:effectStyle>
+        <a:effectStyle>
+          <a:effectLst/>
+        </a:effectStyle>
+        <a:effectStyle>
+          <a:effectLst>
+            <a:outerShdw blurRad="57150" dist="19050" dir="5400000" algn="ctr" rotWithShape="0">
+              <a:srgbClr val="000000">
+                <a:alpha val="63000"/>
+              </a:srgbClr>
+            </a:outerShdw>
+          </a:effectLst>
+        </a:effectStyle>
+      </a:effectStyleLst>
+      <a:bgFillStyleLst>
+        <a:solidFill>
+          <a:schemeClr val="phClr"/>
+        </a:solidFill>
+        <a:solidFill>
+          <a:schemeClr val="phClr">
+            <a:tint val="95000"/>
+            <a:satMod val="170000"/>
+          </a:schemeClr>
+        </a:solidFill>
+        <a:gradFill rotWithShape="1">
+          <a:gsLst>
+            <a:gs pos="0">
+              <a:schemeClr val="phClr">
+                <a:tint val="93000"/>
+                <a:satMod val="150000"/>
+                <a:shade val="98000"/>
+                <a:lumMod val="102000"/>
+              </a:schemeClr>
+            </a:gs>
+            <a:gs pos="50000">
+              <a:schemeClr val="phClr">
+                <a:tint val="98000"/>
+                <a:satMod val="130000"/>
+                <a:shade val="90000"/>
+                <a:lumMod val="103000"/>
+              </a:schemeClr>
+            </a:gs>
+            <a:gs pos="100000">
+              <a:schemeClr val="phClr">
+                <a:shade val="63000"/>
+                <a:satMod val="120000"/>
+              </a:schemeClr>
+            </a:gs>
+          </a:gsLst>
+          <a:lin ang="5400000" scaled="0"/>
+        </a:gradFill>
+      </a:bgFillStyleLst>
+    </a:fmtScheme>
+  </a:themeElements>
+  <a:objectDefaults/>
+  <a:extraClrSchemeLst/>
+  <a:extLst>
+    <a:ext uri="{05A4C25C-085E-4340-85A3-A5531E510DB2}">
+      <thm15:themeFamily xmlns:thm15="http://schemas.microsoft.com/office/thememl/2012/main" name="Office Theme" id="{62F939B6-93AF-4DB8-9C6B-D6C7DFDC589F}" vid="{4A3C46E8-61CC-4603-A589-7422A47A8E4A}"/>
+    </a:ext>
+  </a:extLst>
+</a:theme>
 </file>
--- a/Bayes.pptx
+++ b/Bayes.pptx
@@ -5,7 +5,7 @@
     <p:sldMasterId id="2147483660" r:id="rId1"/>
   </p:sldMasterIdLst>
   <p:notesMasterIdLst>
-    <p:notesMasterId r:id="rId8"/>
+    <p:notesMasterId r:id="rId10"/>
   </p:notesMasterIdLst>
   <p:sldIdLst>
     <p:sldId id="256" r:id="rId2"/>
@@ -14,6 +14,8 @@
     <p:sldId id="259" r:id="rId5"/>
     <p:sldId id="260" r:id="rId6"/>
     <p:sldId id="261" r:id="rId7"/>
+    <p:sldId id="262" r:id="rId8"/>
+    <p:sldId id="263" r:id="rId9"/>
   </p:sldIdLst>
   <p:sldSz cx="9144000" cy="6858000" type="screen4x3"/>
   <p:notesSz cx="6858000" cy="9144000"/>
@@ -202,7 +204,7 @@
           <a:p>
             <a:fld id="{0A780E28-6F28-47DE-A0C7-E526EBF7CB1E}" type="datetimeFigureOut">
               <a:rPr lang="en-US" smtClean="0"/>
-              <a:t>1/17/2021</a:t>
+              <a:t>3/17/2021</a:t>
             </a:fld>
             <a:endParaRPr lang="en-US"/>
           </a:p>
@@ -735,7 +737,7 @@
           <a:p>
             <a:fld id="{68D3B5A7-DCDE-4C84-9542-F2A3E44F3D84}" type="datetimeFigureOut">
               <a:rPr lang="en-US" smtClean="0"/>
-              <a:t>1/17/2021</a:t>
+              <a:t>3/17/2021</a:t>
             </a:fld>
             <a:endParaRPr lang="en-US"/>
           </a:p>
@@ -903,7 +905,7 @@
           <a:p>
             <a:fld id="{68D3B5A7-DCDE-4C84-9542-F2A3E44F3D84}" type="datetimeFigureOut">
               <a:rPr lang="en-US" smtClean="0"/>
-              <a:t>1/17/2021</a:t>
+              <a:t>3/17/2021</a:t>
             </a:fld>
             <a:endParaRPr lang="en-US"/>
           </a:p>
@@ -1081,7 +1083,7 @@
           <a:p>
             <a:fld id="{68D3B5A7-DCDE-4C84-9542-F2A3E44F3D84}" type="datetimeFigureOut">
               <a:rPr lang="en-US" smtClean="0"/>
-              <a:t>1/17/2021</a:t>
+              <a:t>3/17/2021</a:t>
             </a:fld>
             <a:endParaRPr lang="en-US"/>
           </a:p>
@@ -1249,7 +1251,7 @@
           <a:p>
             <a:fld id="{68D3B5A7-DCDE-4C84-9542-F2A3E44F3D84}" type="datetimeFigureOut">
               <a:rPr lang="en-US" smtClean="0"/>
-              <a:t>1/17/2021</a:t>
+              <a:t>3/17/2021</a:t>
             </a:fld>
             <a:endParaRPr lang="en-US"/>
           </a:p>
@@ -1494,7 +1496,7 @@
           <a:p>
             <a:fld id="{68D3B5A7-DCDE-4C84-9542-F2A3E44F3D84}" type="datetimeFigureOut">
               <a:rPr lang="en-US" smtClean="0"/>
-              <a:t>1/17/2021</a:t>
+              <a:t>3/17/2021</a:t>
             </a:fld>
             <a:endParaRPr lang="en-US"/>
           </a:p>
@@ -1779,7 +1781,7 @@
           <a:p>
             <a:fld id="{68D3B5A7-DCDE-4C84-9542-F2A3E44F3D84}" type="datetimeFigureOut">
               <a:rPr lang="en-US" smtClean="0"/>
-              <a:t>1/17/2021</a:t>
+              <a:t>3/17/2021</a:t>
             </a:fld>
             <a:endParaRPr lang="en-US"/>
           </a:p>
@@ -2198,7 +2200,7 @@
           <a:p>
             <a:fld id="{68D3B5A7-DCDE-4C84-9542-F2A3E44F3D84}" type="datetimeFigureOut">
               <a:rPr lang="en-US" smtClean="0"/>
-              <a:t>1/17/2021</a:t>
+              <a:t>3/17/2021</a:t>
             </a:fld>
             <a:endParaRPr lang="en-US"/>
           </a:p>
@@ -2315,7 +2317,7 @@
           <a:p>
             <a:fld id="{68D3B5A7-DCDE-4C84-9542-F2A3E44F3D84}" type="datetimeFigureOut">
               <a:rPr lang="en-US" smtClean="0"/>
-              <a:t>1/17/2021</a:t>
+              <a:t>3/17/2021</a:t>
             </a:fld>
             <a:endParaRPr lang="en-US"/>
           </a:p>
@@ -2410,7 +2412,7 @@
           <a:p>
             <a:fld id="{68D3B5A7-DCDE-4C84-9542-F2A3E44F3D84}" type="datetimeFigureOut">
               <a:rPr lang="en-US" smtClean="0"/>
-              <a:t>1/17/2021</a:t>
+              <a:t>3/17/2021</a:t>
             </a:fld>
             <a:endParaRPr lang="en-US"/>
           </a:p>
@@ -2685,7 +2687,7 @@
           <a:p>
             <a:fld id="{68D3B5A7-DCDE-4C84-9542-F2A3E44F3D84}" type="datetimeFigureOut">
               <a:rPr lang="en-US" smtClean="0"/>
-              <a:t>1/17/2021</a:t>
+              <a:t>3/17/2021</a:t>
             </a:fld>
             <a:endParaRPr lang="en-US"/>
           </a:p>
@@ -2940,7 +2942,7 @@
           <a:p>
             <a:fld id="{68D3B5A7-DCDE-4C84-9542-F2A3E44F3D84}" type="datetimeFigureOut">
               <a:rPr lang="en-US" smtClean="0"/>
-              <a:t>1/17/2021</a:t>
+              <a:t>3/17/2021</a:t>
             </a:fld>
             <a:endParaRPr lang="en-US"/>
           </a:p>
@@ -3154,7 +3156,7 @@
           <a:p>
             <a:fld id="{68D3B5A7-DCDE-4C84-9542-F2A3E44F3D84}" type="datetimeFigureOut">
               <a:rPr lang="en-US" smtClean="0"/>
-              <a:t>1/17/2021</a:t>
+              <a:t>3/17/2021</a:t>
             </a:fld>
             <a:endParaRPr lang="en-US"/>
           </a:p>
@@ -4482,6 +4484,260 @@
     <p:extLst>
       <p:ext uri="{BB962C8B-B14F-4D97-AF65-F5344CB8AC3E}">
         <p14:creationId xmlns:p14="http://schemas.microsoft.com/office/powerpoint/2010/main" val="1653455497"/>
+      </p:ext>
+    </p:extLst>
+  </p:cSld>
+  <p:clrMapOvr>
+    <a:masterClrMapping/>
+  </p:clrMapOvr>
+</p:sld>
+</file>
+
+<file path=ppt/slides/slide7.xml><?xml version="1.0" encoding="utf-8"?>
+<p:sld xmlns:a="http://schemas.openxmlformats.org/drawingml/2006/main" xmlns:r="http://schemas.openxmlformats.org/officeDocument/2006/relationships" xmlns:p="http://schemas.openxmlformats.org/presentationml/2006/main">
+  <p:cSld>
+    <p:spTree>
+      <p:nvGrpSpPr>
+        <p:cNvPr id="1" name=""/>
+        <p:cNvGrpSpPr/>
+        <p:nvPr/>
+      </p:nvGrpSpPr>
+      <p:grpSpPr>
+        <a:xfrm>
+          <a:off x="0" y="0"/>
+          <a:ext cx="0" cy="0"/>
+          <a:chOff x="0" y="0"/>
+          <a:chExt cx="0" cy="0"/>
+        </a:xfrm>
+      </p:grpSpPr>
+      <p:sp>
+        <p:nvSpPr>
+          <p:cNvPr id="2" name="Title 1">
+            <a:extLst>
+              <a:ext uri="{FF2B5EF4-FFF2-40B4-BE49-F238E27FC236}">
+                <a16:creationId xmlns:a16="http://schemas.microsoft.com/office/drawing/2014/main" id="{CDF20E79-D7EF-485E-A613-1FBD0439DC9A}"/>
+              </a:ext>
+            </a:extLst>
+          </p:cNvPr>
+          <p:cNvSpPr>
+            <a:spLocks noGrp="1"/>
+          </p:cNvSpPr>
+          <p:nvPr>
+            <p:ph type="title"/>
+          </p:nvPr>
+        </p:nvSpPr>
+        <p:spPr/>
+        <p:txBody>
+          <a:bodyPr/>
+          <a:lstStyle/>
+          <a:p>
+            <a:r>
+              <a:rPr lang="en-US" dirty="0" err="1"/>
+              <a:t>Palomares</a:t>
+            </a:r>
+            <a:r>
+              <a:rPr lang="en-US" dirty="0"/>
+              <a:t> Incident</a:t>
+            </a:r>
+          </a:p>
+        </p:txBody>
+      </p:sp>
+      <p:sp>
+        <p:nvSpPr>
+          <p:cNvPr id="3" name="Content Placeholder 2">
+            <a:extLst>
+              <a:ext uri="{FF2B5EF4-FFF2-40B4-BE49-F238E27FC236}">
+                <a16:creationId xmlns:a16="http://schemas.microsoft.com/office/drawing/2014/main" id="{BCB73E35-1141-43CE-88E0-44DB16433E8D}"/>
+              </a:ext>
+            </a:extLst>
+          </p:cNvPr>
+          <p:cNvSpPr>
+            <a:spLocks noGrp="1"/>
+          </p:cNvSpPr>
+          <p:nvPr>
+            <p:ph idx="1"/>
+          </p:nvPr>
+        </p:nvSpPr>
+        <p:spPr>
+          <a:xfrm>
+            <a:off x="457200" y="1600202"/>
+            <a:ext cx="3743325" cy="5095873"/>
+          </a:xfrm>
+        </p:spPr>
+        <p:txBody>
+          <a:bodyPr>
+            <a:normAutofit fontScale="85000" lnSpcReduction="10000"/>
+          </a:bodyPr>
+          <a:lstStyle/>
+          <a:p>
+            <a:r>
+              <a:rPr lang="en-US" dirty="0"/>
+              <a:t>Thus, we have a lot of different </a:t>
+            </a:r>
+            <a:r>
+              <a:rPr lang="en-US" i="1" dirty="0"/>
+              <a:t>hints</a:t>
+            </a:r>
+            <a:r>
+              <a:rPr lang="en-US" dirty="0"/>
+              <a:t> (incomplete information) about the position of the bomb</a:t>
+            </a:r>
+          </a:p>
+          <a:p>
+            <a:r>
+              <a:rPr lang="en-US" dirty="0"/>
+              <a:t>For example, we get some hints from physics:</a:t>
+            </a:r>
+          </a:p>
+          <a:p>
+            <a:pPr lvl="1"/>
+            <a:r>
+              <a:rPr lang="en-US" dirty="0"/>
+              <a:t>If the parachute did not deploy, the bomb followed a ballistic path to Earth from the breakup of the plane</a:t>
+            </a:r>
+          </a:p>
+          <a:p>
+            <a:pPr lvl="1"/>
+            <a:r>
+              <a:rPr lang="en-US" dirty="0"/>
+              <a:t>If</a:t>
+            </a:r>
+            <a:r>
+              <a:rPr lang="en-US" i="1" dirty="0"/>
+              <a:t> </a:t>
+            </a:r>
+            <a:r>
+              <a:rPr lang="en-US" dirty="0"/>
+              <a:t>the parachute deployed, we can use knowledge of wind patterns to work out where the bomb was likely to have landed</a:t>
+            </a:r>
+          </a:p>
+          <a:p>
+            <a:r>
+              <a:rPr lang="en-US" dirty="0"/>
+              <a:t>We can use this knowledge to build up a probability map of where the bomb might have landed</a:t>
+            </a:r>
+          </a:p>
+        </p:txBody>
+      </p:sp>
+    </p:spTree>
+    <p:extLst>
+      <p:ext uri="{BB962C8B-B14F-4D97-AF65-F5344CB8AC3E}">
+        <p14:creationId xmlns:p14="http://schemas.microsoft.com/office/powerpoint/2010/main" val="3950999681"/>
+      </p:ext>
+    </p:extLst>
+  </p:cSld>
+  <p:clrMapOvr>
+    <a:masterClrMapping/>
+  </p:clrMapOvr>
+</p:sld>
+</file>
+
+<file path=ppt/slides/slide8.xml><?xml version="1.0" encoding="utf-8"?>
+<p:sld xmlns:a="http://schemas.openxmlformats.org/drawingml/2006/main" xmlns:r="http://schemas.openxmlformats.org/officeDocument/2006/relationships" xmlns:p="http://schemas.openxmlformats.org/presentationml/2006/main">
+  <p:cSld>
+    <p:spTree>
+      <p:nvGrpSpPr>
+        <p:cNvPr id="1" name=""/>
+        <p:cNvGrpSpPr/>
+        <p:nvPr/>
+      </p:nvGrpSpPr>
+      <p:grpSpPr>
+        <a:xfrm>
+          <a:off x="0" y="0"/>
+          <a:ext cx="0" cy="0"/>
+          <a:chOff x="0" y="0"/>
+          <a:chExt cx="0" cy="0"/>
+        </a:xfrm>
+      </p:grpSpPr>
+      <p:sp>
+        <p:nvSpPr>
+          <p:cNvPr id="2" name="Title 1">
+            <a:extLst>
+              <a:ext uri="{FF2B5EF4-FFF2-40B4-BE49-F238E27FC236}">
+                <a16:creationId xmlns:a16="http://schemas.microsoft.com/office/drawing/2014/main" id="{CDF20E79-D7EF-485E-A613-1FBD0439DC9A}"/>
+              </a:ext>
+            </a:extLst>
+          </p:cNvPr>
+          <p:cNvSpPr>
+            <a:spLocks noGrp="1"/>
+          </p:cNvSpPr>
+          <p:nvPr>
+            <p:ph type="title"/>
+          </p:nvPr>
+        </p:nvSpPr>
+        <p:spPr/>
+        <p:txBody>
+          <a:bodyPr/>
+          <a:lstStyle/>
+          <a:p>
+            <a:r>
+              <a:rPr lang="en-US" dirty="0" err="1"/>
+              <a:t>Palomares</a:t>
+            </a:r>
+            <a:r>
+              <a:rPr lang="en-US" dirty="0"/>
+              <a:t> Incident</a:t>
+            </a:r>
+          </a:p>
+        </p:txBody>
+      </p:sp>
+      <p:sp>
+        <p:nvSpPr>
+          <p:cNvPr id="3" name="Content Placeholder 2">
+            <a:extLst>
+              <a:ext uri="{FF2B5EF4-FFF2-40B4-BE49-F238E27FC236}">
+                <a16:creationId xmlns:a16="http://schemas.microsoft.com/office/drawing/2014/main" id="{BCB73E35-1141-43CE-88E0-44DB16433E8D}"/>
+              </a:ext>
+            </a:extLst>
+          </p:cNvPr>
+          <p:cNvSpPr>
+            <a:spLocks noGrp="1"/>
+          </p:cNvSpPr>
+          <p:nvPr>
+            <p:ph idx="1"/>
+          </p:nvPr>
+        </p:nvSpPr>
+        <p:spPr>
+          <a:xfrm>
+            <a:off x="457200" y="1600202"/>
+            <a:ext cx="3914775" cy="4525963"/>
+          </a:xfrm>
+        </p:spPr>
+        <p:txBody>
+          <a:bodyPr/>
+          <a:lstStyle/>
+          <a:p>
+            <a:r>
+              <a:rPr lang="en-US" dirty="0"/>
+              <a:t>We get other hints from basic deduction</a:t>
+            </a:r>
+          </a:p>
+          <a:p>
+            <a:pPr lvl="1"/>
+            <a:r>
+              <a:rPr lang="en-US" dirty="0"/>
+              <a:t>If the bomb had landed near a town, we would have heard gossip about it </a:t>
+            </a:r>
+          </a:p>
+          <a:p>
+            <a:pPr lvl="1"/>
+            <a:r>
+              <a:rPr lang="en-US" dirty="0"/>
+              <a:t>The bomb didn’t land next to any of the others, or we would have seen it when we recovered them</a:t>
+            </a:r>
+          </a:p>
+          <a:p>
+            <a:r>
+              <a:rPr lang="en-US" dirty="0"/>
+              <a:t>We can use these to modify the probability map</a:t>
+            </a:r>
+          </a:p>
+        </p:txBody>
+      </p:sp>
+    </p:spTree>
+    <p:extLst>
+      <p:ext uri="{BB962C8B-B14F-4D97-AF65-F5344CB8AC3E}">
+        <p14:creationId xmlns:p14="http://schemas.microsoft.com/office/powerpoint/2010/main" val="1914646267"/>
       </p:ext>
     </p:extLst>
   </p:cSld>

--- a/Bayes.pptx
+++ b/Bayes.pptx
@@ -5,7 +5,7 @@
     <p:sldMasterId id="2147483660" r:id="rId1"/>
   </p:sldMasterIdLst>
   <p:notesMasterIdLst>
-    <p:notesMasterId r:id="rId10"/>
+    <p:notesMasterId r:id="rId14"/>
   </p:notesMasterIdLst>
   <p:sldIdLst>
     <p:sldId id="256" r:id="rId2"/>
@@ -16,6 +16,10 @@
     <p:sldId id="261" r:id="rId7"/>
     <p:sldId id="262" r:id="rId8"/>
     <p:sldId id="263" r:id="rId9"/>
+    <p:sldId id="264" r:id="rId10"/>
+    <p:sldId id="265" r:id="rId11"/>
+    <p:sldId id="266" r:id="rId12"/>
+    <p:sldId id="267" r:id="rId13"/>
   </p:sldIdLst>
   <p:sldSz cx="9144000" cy="6858000" type="screen4x3"/>
   <p:notesSz cx="6858000" cy="9144000"/>
@@ -204,7 +208,7 @@
           <a:p>
             <a:fld id="{0A780E28-6F28-47DE-A0C7-E526EBF7CB1E}" type="datetimeFigureOut">
               <a:rPr lang="en-US" smtClean="0"/>
-              <a:t>3/17/2021</a:t>
+              <a:t>3/19/2021</a:t>
             </a:fld>
             <a:endParaRPr lang="en-US"/>
           </a:p>
@@ -737,7 +741,7 @@
           <a:p>
             <a:fld id="{68D3B5A7-DCDE-4C84-9542-F2A3E44F3D84}" type="datetimeFigureOut">
               <a:rPr lang="en-US" smtClean="0"/>
-              <a:t>3/17/2021</a:t>
+              <a:t>3/19/2021</a:t>
             </a:fld>
             <a:endParaRPr lang="en-US"/>
           </a:p>
@@ -905,7 +909,7 @@
           <a:p>
             <a:fld id="{68D3B5A7-DCDE-4C84-9542-F2A3E44F3D84}" type="datetimeFigureOut">
               <a:rPr lang="en-US" smtClean="0"/>
-              <a:t>3/17/2021</a:t>
+              <a:t>3/19/2021</a:t>
             </a:fld>
             <a:endParaRPr lang="en-US"/>
           </a:p>
@@ -1083,7 +1087,7 @@
           <a:p>
             <a:fld id="{68D3B5A7-DCDE-4C84-9542-F2A3E44F3D84}" type="datetimeFigureOut">
               <a:rPr lang="en-US" smtClean="0"/>
-              <a:t>3/17/2021</a:t>
+              <a:t>3/19/2021</a:t>
             </a:fld>
             <a:endParaRPr lang="en-US"/>
           </a:p>
@@ -1251,7 +1255,7 @@
           <a:p>
             <a:fld id="{68D3B5A7-DCDE-4C84-9542-F2A3E44F3D84}" type="datetimeFigureOut">
               <a:rPr lang="en-US" smtClean="0"/>
-              <a:t>3/17/2021</a:t>
+              <a:t>3/19/2021</a:t>
             </a:fld>
             <a:endParaRPr lang="en-US"/>
           </a:p>
@@ -1496,7 +1500,7 @@
           <a:p>
             <a:fld id="{68D3B5A7-DCDE-4C84-9542-F2A3E44F3D84}" type="datetimeFigureOut">
               <a:rPr lang="en-US" smtClean="0"/>
-              <a:t>3/17/2021</a:t>
+              <a:t>3/19/2021</a:t>
             </a:fld>
             <a:endParaRPr lang="en-US"/>
           </a:p>
@@ -1781,7 +1785,7 @@
           <a:p>
             <a:fld id="{68D3B5A7-DCDE-4C84-9542-F2A3E44F3D84}" type="datetimeFigureOut">
               <a:rPr lang="en-US" smtClean="0"/>
-              <a:t>3/17/2021</a:t>
+              <a:t>3/19/2021</a:t>
             </a:fld>
             <a:endParaRPr lang="en-US"/>
           </a:p>
@@ -2200,7 +2204,7 @@
           <a:p>
             <a:fld id="{68D3B5A7-DCDE-4C84-9542-F2A3E44F3D84}" type="datetimeFigureOut">
               <a:rPr lang="en-US" smtClean="0"/>
-              <a:t>3/17/2021</a:t>
+              <a:t>3/19/2021</a:t>
             </a:fld>
             <a:endParaRPr lang="en-US"/>
           </a:p>
@@ -2317,7 +2321,7 @@
           <a:p>
             <a:fld id="{68D3B5A7-DCDE-4C84-9542-F2A3E44F3D84}" type="datetimeFigureOut">
               <a:rPr lang="en-US" smtClean="0"/>
-              <a:t>3/17/2021</a:t>
+              <a:t>3/19/2021</a:t>
             </a:fld>
             <a:endParaRPr lang="en-US"/>
           </a:p>
@@ -2412,7 +2416,7 @@
           <a:p>
             <a:fld id="{68D3B5A7-DCDE-4C84-9542-F2A3E44F3D84}" type="datetimeFigureOut">
               <a:rPr lang="en-US" smtClean="0"/>
-              <a:t>3/17/2021</a:t>
+              <a:t>3/19/2021</a:t>
             </a:fld>
             <a:endParaRPr lang="en-US"/>
           </a:p>
@@ -2687,7 +2691,7 @@
           <a:p>
             <a:fld id="{68D3B5A7-DCDE-4C84-9542-F2A3E44F3D84}" type="datetimeFigureOut">
               <a:rPr lang="en-US" smtClean="0"/>
-              <a:t>3/17/2021</a:t>
+              <a:t>3/19/2021</a:t>
             </a:fld>
             <a:endParaRPr lang="en-US"/>
           </a:p>
@@ -2942,7 +2946,7 @@
           <a:p>
             <a:fld id="{68D3B5A7-DCDE-4C84-9542-F2A3E44F3D84}" type="datetimeFigureOut">
               <a:rPr lang="en-US" smtClean="0"/>
-              <a:t>3/17/2021</a:t>
+              <a:t>3/19/2021</a:t>
             </a:fld>
             <a:endParaRPr lang="en-US"/>
           </a:p>
@@ -3156,7 +3160,7 @@
           <a:p>
             <a:fld id="{68D3B5A7-DCDE-4C84-9542-F2A3E44F3D84}" type="datetimeFigureOut">
               <a:rPr lang="en-US" smtClean="0"/>
-              <a:t>3/17/2021</a:t>
+              <a:t>3/19/2021</a:t>
             </a:fld>
             <a:endParaRPr lang="en-US"/>
           </a:p>
@@ -3642,6 +3646,454 @@
 </p:sld>
 </file>
 
+<file path=ppt/slides/slide10.xml><?xml version="1.0" encoding="utf-8"?>
+<p:sld xmlns:a="http://schemas.openxmlformats.org/drawingml/2006/main" xmlns:r="http://schemas.openxmlformats.org/officeDocument/2006/relationships" xmlns:p="http://schemas.openxmlformats.org/presentationml/2006/main">
+  <p:cSld>
+    <p:spTree>
+      <p:nvGrpSpPr>
+        <p:cNvPr id="1" name=""/>
+        <p:cNvGrpSpPr/>
+        <p:nvPr/>
+      </p:nvGrpSpPr>
+      <p:grpSpPr>
+        <a:xfrm>
+          <a:off x="0" y="0"/>
+          <a:ext cx="0" cy="0"/>
+          <a:chOff x="0" y="0"/>
+          <a:chExt cx="0" cy="0"/>
+        </a:xfrm>
+      </p:grpSpPr>
+      <p:sp>
+        <p:nvSpPr>
+          <p:cNvPr id="2" name="Title 1">
+            <a:extLst>
+              <a:ext uri="{FF2B5EF4-FFF2-40B4-BE49-F238E27FC236}">
+                <a16:creationId xmlns:a16="http://schemas.microsoft.com/office/drawing/2014/main" id="{E970C3C2-F4C8-4A35-B93C-71EB9C762FB1}"/>
+              </a:ext>
+            </a:extLst>
+          </p:cNvPr>
+          <p:cNvSpPr>
+            <a:spLocks noGrp="1"/>
+          </p:cNvSpPr>
+          <p:nvPr>
+            <p:ph type="title"/>
+          </p:nvPr>
+        </p:nvSpPr>
+        <p:spPr/>
+        <p:txBody>
+          <a:bodyPr/>
+          <a:lstStyle/>
+          <a:p>
+            <a:r>
+              <a:rPr lang="en-US" dirty="0" err="1"/>
+              <a:t>Palomares</a:t>
+            </a:r>
+            <a:r>
+              <a:rPr lang="en-US" dirty="0"/>
+              <a:t> Incident</a:t>
+            </a:r>
+          </a:p>
+        </p:txBody>
+      </p:sp>
+      <p:sp>
+        <p:nvSpPr>
+          <p:cNvPr id="3" name="Content Placeholder 2">
+            <a:extLst>
+              <a:ext uri="{FF2B5EF4-FFF2-40B4-BE49-F238E27FC236}">
+                <a16:creationId xmlns:a16="http://schemas.microsoft.com/office/drawing/2014/main" id="{B427101F-38A9-4620-BB51-462A39FA6BEF}"/>
+              </a:ext>
+            </a:extLst>
+          </p:cNvPr>
+          <p:cNvSpPr>
+            <a:spLocks noGrp="1"/>
+          </p:cNvSpPr>
+          <p:nvPr>
+            <p:ph idx="1"/>
+          </p:nvPr>
+        </p:nvSpPr>
+        <p:spPr>
+          <a:xfrm>
+            <a:off x="457200" y="1600202"/>
+            <a:ext cx="3910614" cy="4525963"/>
+          </a:xfrm>
+        </p:spPr>
+        <p:txBody>
+          <a:bodyPr/>
+          <a:lstStyle/>
+          <a:p>
+            <a:r>
+              <a:rPr lang="en-US" dirty="0"/>
+              <a:t>Did we find the bomb? </a:t>
+            </a:r>
+          </a:p>
+          <a:p>
+            <a:r>
+              <a:rPr lang="en-US" dirty="0"/>
+              <a:t>If so, we’re done!</a:t>
+            </a:r>
+          </a:p>
+          <a:p>
+            <a:r>
+              <a:rPr lang="en-US" dirty="0"/>
+              <a:t>If not, we can now say that the probability of the bomb being in the places we searched is very low</a:t>
+            </a:r>
+          </a:p>
+          <a:p>
+            <a:pPr lvl="1"/>
+            <a:r>
+              <a:rPr lang="en-US" dirty="0"/>
+              <a:t>Not zero– there’s a small chance we might have missed it </a:t>
+            </a:r>
+          </a:p>
+          <a:p>
+            <a:endParaRPr lang="en-US" dirty="0"/>
+          </a:p>
+        </p:txBody>
+      </p:sp>
+      <p:pic>
+        <p:nvPicPr>
+          <p:cNvPr id="5" name="Picture 4">
+            <a:extLst>
+              <a:ext uri="{FF2B5EF4-FFF2-40B4-BE49-F238E27FC236}">
+                <a16:creationId xmlns:a16="http://schemas.microsoft.com/office/drawing/2014/main" id="{A22E0FB8-C05B-427D-9C94-D4AD97CA239A}"/>
+              </a:ext>
+            </a:extLst>
+          </p:cNvPr>
+          <p:cNvPicPr>
+            <a:picLocks noChangeAspect="1"/>
+          </p:cNvPicPr>
+          <p:nvPr/>
+        </p:nvPicPr>
+        <p:blipFill rotWithShape="1">
+          <a:blip r:embed="rId2">
+            <a:extLst>
+              <a:ext uri="{BEBA8EAE-BF5A-486C-A8C5-ECC9F3942E4B}">
+                <a14:imgProps xmlns:a14="http://schemas.microsoft.com/office/drawing/2010/main">
+                  <a14:imgLayer r:embed="rId3">
+                    <a14:imgEffect>
+                      <a14:backgroundRemoval t="10000" b="90000" l="10000" r="90000"/>
+                    </a14:imgEffect>
+                  </a14:imgLayer>
+                </a14:imgProps>
+              </a:ext>
+              <a:ext uri="{28A0092B-C50C-407E-A947-70E740481C1C}">
+                <a14:useLocalDpi xmlns:a14="http://schemas.microsoft.com/office/drawing/2010/main" val="0"/>
+              </a:ext>
+            </a:extLst>
+          </a:blip>
+          <a:srcRect l="37767" t="11363" r="35437" b="9236"/>
+          <a:stretch/>
+        </p:blipFill>
+        <p:spPr>
+          <a:xfrm>
+            <a:off x="5122416" y="1339830"/>
+            <a:ext cx="3684232" cy="5356151"/>
+          </a:xfrm>
+          <a:prstGeom prst="rect">
+            <a:avLst/>
+          </a:prstGeom>
+        </p:spPr>
+      </p:pic>
+    </p:spTree>
+    <p:extLst>
+      <p:ext uri="{BB962C8B-B14F-4D97-AF65-F5344CB8AC3E}">
+        <p14:creationId xmlns:p14="http://schemas.microsoft.com/office/powerpoint/2010/main" val="317697126"/>
+      </p:ext>
+    </p:extLst>
+  </p:cSld>
+  <p:clrMapOvr>
+    <a:masterClrMapping/>
+  </p:clrMapOvr>
+</p:sld>
+</file>
+
+<file path=ppt/slides/slide11.xml><?xml version="1.0" encoding="utf-8"?>
+<p:sld xmlns:a="http://schemas.openxmlformats.org/drawingml/2006/main" xmlns:r="http://schemas.openxmlformats.org/officeDocument/2006/relationships" xmlns:p="http://schemas.openxmlformats.org/presentationml/2006/main">
+  <p:cSld>
+    <p:spTree>
+      <p:nvGrpSpPr>
+        <p:cNvPr id="1" name=""/>
+        <p:cNvGrpSpPr/>
+        <p:nvPr/>
+      </p:nvGrpSpPr>
+      <p:grpSpPr>
+        <a:xfrm>
+          <a:off x="0" y="0"/>
+          <a:ext cx="0" cy="0"/>
+          <a:chOff x="0" y="0"/>
+          <a:chExt cx="0" cy="0"/>
+        </a:xfrm>
+      </p:grpSpPr>
+      <p:sp>
+        <p:nvSpPr>
+          <p:cNvPr id="2" name="Title 1">
+            <a:extLst>
+              <a:ext uri="{FF2B5EF4-FFF2-40B4-BE49-F238E27FC236}">
+                <a16:creationId xmlns:a16="http://schemas.microsoft.com/office/drawing/2014/main" id="{8723B061-FBC8-460F-BC2B-EE2D2D8C4BA2}"/>
+              </a:ext>
+            </a:extLst>
+          </p:cNvPr>
+          <p:cNvSpPr>
+            <a:spLocks noGrp="1"/>
+          </p:cNvSpPr>
+          <p:nvPr>
+            <p:ph type="title"/>
+          </p:nvPr>
+        </p:nvSpPr>
+        <p:spPr/>
+        <p:txBody>
+          <a:bodyPr/>
+          <a:lstStyle/>
+          <a:p>
+            <a:r>
+              <a:rPr lang="en-US" dirty="0" err="1"/>
+              <a:t>Palomares</a:t>
+            </a:r>
+            <a:r>
+              <a:rPr lang="en-US" dirty="0"/>
+              <a:t> Incident</a:t>
+            </a:r>
+          </a:p>
+        </p:txBody>
+      </p:sp>
+      <p:sp>
+        <p:nvSpPr>
+          <p:cNvPr id="3" name="Content Placeholder 2">
+            <a:extLst>
+              <a:ext uri="{FF2B5EF4-FFF2-40B4-BE49-F238E27FC236}">
+                <a16:creationId xmlns:a16="http://schemas.microsoft.com/office/drawing/2014/main" id="{E357AD3F-C6C2-46BF-A71C-A3B267844200}"/>
+              </a:ext>
+            </a:extLst>
+          </p:cNvPr>
+          <p:cNvSpPr>
+            <a:spLocks noGrp="1"/>
+          </p:cNvSpPr>
+          <p:nvPr>
+            <p:ph idx="1"/>
+          </p:nvPr>
+        </p:nvSpPr>
+        <p:spPr>
+          <a:xfrm>
+            <a:off x="457200" y="1600202"/>
+            <a:ext cx="3582140" cy="4525963"/>
+          </a:xfrm>
+        </p:spPr>
+        <p:txBody>
+          <a:bodyPr/>
+          <a:lstStyle/>
+          <a:p>
+            <a:r>
+              <a:rPr lang="en-US" dirty="0"/>
+              <a:t>Now, the maximum probability values are in different places</a:t>
+            </a:r>
+          </a:p>
+          <a:p>
+            <a:r>
+              <a:rPr lang="en-US" dirty="0"/>
+              <a:t>We conduct new searches at the new maximums, and repeat</a:t>
+            </a:r>
+          </a:p>
+          <a:p>
+            <a:r>
+              <a:rPr lang="en-US" dirty="0"/>
+              <a:t>The bomb was eventually found this way, under 2500 feet of water, and recovered</a:t>
+            </a:r>
+          </a:p>
+        </p:txBody>
+      </p:sp>
+      <p:pic>
+        <p:nvPicPr>
+          <p:cNvPr id="4" name="Picture 3">
+            <a:extLst>
+              <a:ext uri="{FF2B5EF4-FFF2-40B4-BE49-F238E27FC236}">
+                <a16:creationId xmlns:a16="http://schemas.microsoft.com/office/drawing/2014/main" id="{1D27733A-C088-4854-8EBE-78814C70CD2A}"/>
+              </a:ext>
+            </a:extLst>
+          </p:cNvPr>
+          <p:cNvPicPr>
+            <a:picLocks noChangeAspect="1"/>
+          </p:cNvPicPr>
+          <p:nvPr/>
+        </p:nvPicPr>
+        <p:blipFill rotWithShape="1">
+          <a:blip r:embed="rId2">
+            <a:extLst>
+              <a:ext uri="{BEBA8EAE-BF5A-486C-A8C5-ECC9F3942E4B}">
+                <a14:imgProps xmlns:a14="http://schemas.microsoft.com/office/drawing/2010/main">
+                  <a14:imgLayer r:embed="rId3">
+                    <a14:imgEffect>
+                      <a14:backgroundRemoval t="10000" b="90000" l="10000" r="90000"/>
+                    </a14:imgEffect>
+                  </a14:imgLayer>
+                </a14:imgProps>
+              </a:ext>
+              <a:ext uri="{28A0092B-C50C-407E-A947-70E740481C1C}">
+                <a14:useLocalDpi xmlns:a14="http://schemas.microsoft.com/office/drawing/2010/main" val="0"/>
+              </a:ext>
+            </a:extLst>
+          </a:blip>
+          <a:srcRect l="37767" t="11363" r="35437" b="9236"/>
+          <a:stretch/>
+        </p:blipFill>
+        <p:spPr>
+          <a:xfrm>
+            <a:off x="5122416" y="1339830"/>
+            <a:ext cx="3684232" cy="5356151"/>
+          </a:xfrm>
+          <a:prstGeom prst="rect">
+            <a:avLst/>
+          </a:prstGeom>
+        </p:spPr>
+      </p:pic>
+    </p:spTree>
+    <p:extLst>
+      <p:ext uri="{BB962C8B-B14F-4D97-AF65-F5344CB8AC3E}">
+        <p14:creationId xmlns:p14="http://schemas.microsoft.com/office/powerpoint/2010/main" val="378487075"/>
+      </p:ext>
+    </p:extLst>
+  </p:cSld>
+  <p:clrMapOvr>
+    <a:masterClrMapping/>
+  </p:clrMapOvr>
+</p:sld>
+</file>
+
+<file path=ppt/slides/slide12.xml><?xml version="1.0" encoding="utf-8"?>
+<p:sld xmlns:a="http://schemas.openxmlformats.org/drawingml/2006/main" xmlns:r="http://schemas.openxmlformats.org/officeDocument/2006/relationships" xmlns:p="http://schemas.openxmlformats.org/presentationml/2006/main">
+  <p:cSld>
+    <p:spTree>
+      <p:nvGrpSpPr>
+        <p:cNvPr id="1" name=""/>
+        <p:cNvGrpSpPr/>
+        <p:nvPr/>
+      </p:nvGrpSpPr>
+      <p:grpSpPr>
+        <a:xfrm>
+          <a:off x="0" y="0"/>
+          <a:ext cx="0" cy="0"/>
+          <a:chOff x="0" y="0"/>
+          <a:chExt cx="0" cy="0"/>
+        </a:xfrm>
+      </p:grpSpPr>
+      <p:sp>
+        <p:nvSpPr>
+          <p:cNvPr id="2" name="Title 1">
+            <a:extLst>
+              <a:ext uri="{FF2B5EF4-FFF2-40B4-BE49-F238E27FC236}">
+                <a16:creationId xmlns:a16="http://schemas.microsoft.com/office/drawing/2014/main" id="{DAB8224D-39D2-4967-BCC1-A271E22BC977}"/>
+              </a:ext>
+            </a:extLst>
+          </p:cNvPr>
+          <p:cNvSpPr>
+            <a:spLocks noGrp="1"/>
+          </p:cNvSpPr>
+          <p:nvPr>
+            <p:ph type="title"/>
+          </p:nvPr>
+        </p:nvSpPr>
+        <p:spPr/>
+        <p:txBody>
+          <a:bodyPr/>
+          <a:lstStyle/>
+          <a:p>
+            <a:r>
+              <a:rPr lang="en-US" dirty="0"/>
+              <a:t>Bayesian Search</a:t>
+            </a:r>
+          </a:p>
+        </p:txBody>
+      </p:sp>
+      <p:sp>
+        <p:nvSpPr>
+          <p:cNvPr id="3" name="Content Placeholder 2">
+            <a:extLst>
+              <a:ext uri="{FF2B5EF4-FFF2-40B4-BE49-F238E27FC236}">
+                <a16:creationId xmlns:a16="http://schemas.microsoft.com/office/drawing/2014/main" id="{30BBE10B-5D30-4DF1-A271-430311006F7E}"/>
+              </a:ext>
+            </a:extLst>
+          </p:cNvPr>
+          <p:cNvSpPr>
+            <a:spLocks noGrp="1"/>
+          </p:cNvSpPr>
+          <p:nvPr>
+            <p:ph idx="1"/>
+          </p:nvPr>
+        </p:nvSpPr>
+        <p:spPr/>
+        <p:txBody>
+          <a:bodyPr/>
+          <a:lstStyle/>
+          <a:p>
+            <a:r>
+              <a:rPr lang="en-US" dirty="0"/>
+              <a:t>This is a method called </a:t>
+            </a:r>
+            <a:r>
+              <a:rPr lang="en-US" i="1" dirty="0"/>
+              <a:t>Bayesian search</a:t>
+            </a:r>
+            <a:endParaRPr lang="en-US" dirty="0"/>
+          </a:p>
+          <a:p>
+            <a:r>
+              <a:rPr lang="en-US" dirty="0"/>
+              <a:t>First, generate an initial probability map</a:t>
+            </a:r>
+          </a:p>
+          <a:p>
+            <a:r>
+              <a:rPr lang="en-US" dirty="0"/>
+              <a:t>Next, search in the locations of highest probability</a:t>
+            </a:r>
+          </a:p>
+          <a:p>
+            <a:r>
+              <a:rPr lang="en-US" dirty="0"/>
+              <a:t>Anywhere you searched and didn’t find anything, now has a low probability</a:t>
+            </a:r>
+          </a:p>
+          <a:p>
+            <a:r>
+              <a:rPr lang="en-US" dirty="0"/>
+              <a:t>Update the probability map</a:t>
+            </a:r>
+          </a:p>
+          <a:p>
+            <a:pPr lvl="1"/>
+            <a:r>
+              <a:rPr lang="en-US" dirty="0"/>
+              <a:t>You can also insert </a:t>
+            </a:r>
+            <a:r>
+              <a:rPr lang="en-US" i="1" dirty="0"/>
+              <a:t>external</a:t>
+            </a:r>
+            <a:r>
+              <a:rPr lang="en-US" dirty="0"/>
+              <a:t> information. For example, if you receive a fisherman saw a large object fall into the water, that area of ocean now has a much higher probability</a:t>
+            </a:r>
+          </a:p>
+          <a:p>
+            <a:r>
+              <a:rPr lang="en-US" dirty="0"/>
+              <a:t>Repeat</a:t>
+            </a:r>
+          </a:p>
+        </p:txBody>
+      </p:sp>
+    </p:spTree>
+    <p:extLst>
+      <p:ext uri="{BB962C8B-B14F-4D97-AF65-F5344CB8AC3E}">
+        <p14:creationId xmlns:p14="http://schemas.microsoft.com/office/powerpoint/2010/main" val="2355140887"/>
+      </p:ext>
+    </p:extLst>
+  </p:cSld>
+  <p:clrMapOvr>
+    <a:masterClrMapping/>
+  </p:clrMapOvr>
+</p:sld>
+</file>
+
 <file path=ppt/slides/slide2.xml><?xml version="1.0" encoding="utf-8"?>
 <p:sld xmlns:a="http://schemas.openxmlformats.org/drawingml/2006/main" xmlns:r="http://schemas.openxmlformats.org/officeDocument/2006/relationships" xmlns:p="http://schemas.openxmlformats.org/presentationml/2006/main">
   <p:cSld>
@@ -4619,6 +5071,422 @@
           </a:p>
         </p:txBody>
       </p:sp>
+      <p:pic>
+        <p:nvPicPr>
+          <p:cNvPr id="4" name="Picture 3">
+            <a:extLst>
+              <a:ext uri="{FF2B5EF4-FFF2-40B4-BE49-F238E27FC236}">
+                <a16:creationId xmlns:a16="http://schemas.microsoft.com/office/drawing/2014/main" id="{2274F746-F871-4B0B-B2DB-2B4186F660BE}"/>
+              </a:ext>
+            </a:extLst>
+          </p:cNvPr>
+          <p:cNvPicPr>
+            <a:picLocks noChangeAspect="1"/>
+          </p:cNvPicPr>
+          <p:nvPr/>
+        </p:nvPicPr>
+        <p:blipFill rotWithShape="1">
+          <a:blip r:embed="rId2"/>
+          <a:srcRect l="14725" r="4180"/>
+          <a:stretch/>
+        </p:blipFill>
+        <p:spPr>
+          <a:xfrm>
+            <a:off x="5069150" y="1227471"/>
+            <a:ext cx="3617650" cy="5468604"/>
+          </a:xfrm>
+          <a:prstGeom prst="rect">
+            <a:avLst/>
+          </a:prstGeom>
+        </p:spPr>
+      </p:pic>
+      <p:sp>
+        <p:nvSpPr>
+          <p:cNvPr id="5" name="Multiplication Sign 4">
+            <a:extLst>
+              <a:ext uri="{FF2B5EF4-FFF2-40B4-BE49-F238E27FC236}">
+                <a16:creationId xmlns:a16="http://schemas.microsoft.com/office/drawing/2014/main" id="{AB654ECB-752D-4D1B-9F3C-F0BEC85307E0}"/>
+              </a:ext>
+            </a:extLst>
+          </p:cNvPr>
+          <p:cNvSpPr/>
+          <p:nvPr/>
+        </p:nvSpPr>
+        <p:spPr>
+          <a:xfrm>
+            <a:off x="6010183" y="5311762"/>
+            <a:ext cx="363984" cy="396580"/>
+          </a:xfrm>
+          <a:prstGeom prst="mathMultiply">
+            <a:avLst/>
+          </a:prstGeom>
+          <a:solidFill>
+            <a:srgbClr val="FF0000"/>
+          </a:solidFill>
+          <a:ln>
+            <a:noFill/>
+          </a:ln>
+        </p:spPr>
+        <p:style>
+          <a:lnRef idx="2">
+            <a:schemeClr val="accent1">
+              <a:shade val="50000"/>
+            </a:schemeClr>
+          </a:lnRef>
+          <a:fillRef idx="1">
+            <a:schemeClr val="accent1"/>
+          </a:fillRef>
+          <a:effectRef idx="0">
+            <a:schemeClr val="accent1"/>
+          </a:effectRef>
+          <a:fontRef idx="minor">
+            <a:schemeClr val="lt1"/>
+          </a:fontRef>
+        </p:style>
+        <p:txBody>
+          <a:bodyPr rtlCol="0" anchor="ctr"/>
+          <a:lstStyle/>
+          <a:p>
+            <a:pPr algn="ctr"/>
+            <a:endParaRPr lang="en-US"/>
+          </a:p>
+        </p:txBody>
+      </p:sp>
+      <p:sp>
+        <p:nvSpPr>
+          <p:cNvPr id="6" name="TextBox 5">
+            <a:extLst>
+              <a:ext uri="{FF2B5EF4-FFF2-40B4-BE49-F238E27FC236}">
+                <a16:creationId xmlns:a16="http://schemas.microsoft.com/office/drawing/2014/main" id="{48CD26F2-6150-48C9-A213-22D8B1A08485}"/>
+              </a:ext>
+            </a:extLst>
+          </p:cNvPr>
+          <p:cNvSpPr txBox="1"/>
+          <p:nvPr/>
+        </p:nvSpPr>
+        <p:spPr>
+          <a:xfrm>
+            <a:off x="6374167" y="5311762"/>
+            <a:ext cx="974947" cy="369332"/>
+          </a:xfrm>
+          <a:prstGeom prst="rect">
+            <a:avLst/>
+          </a:prstGeom>
+          <a:noFill/>
+        </p:spPr>
+        <p:txBody>
+          <a:bodyPr wrap="none" rtlCol="0">
+            <a:spAutoFit/>
+          </a:bodyPr>
+          <a:lstStyle/>
+          <a:p>
+            <a:r>
+              <a:rPr lang="en-US" dirty="0">
+                <a:solidFill>
+                  <a:srgbClr val="FF0000"/>
+                </a:solidFill>
+              </a:rPr>
+              <a:t>Collision</a:t>
+            </a:r>
+          </a:p>
+        </p:txBody>
+      </p:sp>
+      <p:cxnSp>
+        <p:nvCxnSpPr>
+          <p:cNvPr id="8" name="Straight Arrow Connector 7">
+            <a:extLst>
+              <a:ext uri="{FF2B5EF4-FFF2-40B4-BE49-F238E27FC236}">
+                <a16:creationId xmlns:a16="http://schemas.microsoft.com/office/drawing/2014/main" id="{EBCCDB61-B521-4B16-958C-35C9D195FF02}"/>
+              </a:ext>
+            </a:extLst>
+          </p:cNvPr>
+          <p:cNvCxnSpPr/>
+          <p:nvPr/>
+        </p:nvCxnSpPr>
+        <p:spPr>
+          <a:xfrm flipV="1">
+            <a:off x="6192175" y="4500979"/>
+            <a:ext cx="297402" cy="810783"/>
+          </a:xfrm>
+          <a:prstGeom prst="straightConnector1">
+            <a:avLst/>
+          </a:prstGeom>
+          <a:ln>
+            <a:solidFill>
+              <a:srgbClr val="FF0000"/>
+            </a:solidFill>
+            <a:tailEnd type="triangle"/>
+          </a:ln>
+        </p:spPr>
+        <p:style>
+          <a:lnRef idx="1">
+            <a:schemeClr val="accent1"/>
+          </a:lnRef>
+          <a:fillRef idx="0">
+            <a:schemeClr val="accent1"/>
+          </a:fillRef>
+          <a:effectRef idx="0">
+            <a:schemeClr val="accent1"/>
+          </a:effectRef>
+          <a:fontRef idx="minor">
+            <a:schemeClr val="tx1"/>
+          </a:fontRef>
+        </p:style>
+      </p:cxnSp>
+      <p:sp>
+        <p:nvSpPr>
+          <p:cNvPr id="9" name="TextBox 8">
+            <a:extLst>
+              <a:ext uri="{FF2B5EF4-FFF2-40B4-BE49-F238E27FC236}">
+                <a16:creationId xmlns:a16="http://schemas.microsoft.com/office/drawing/2014/main" id="{F3E29C32-B913-4951-AED7-55805D2683E1}"/>
+              </a:ext>
+            </a:extLst>
+          </p:cNvPr>
+          <p:cNvSpPr txBox="1"/>
+          <p:nvPr/>
+        </p:nvSpPr>
+        <p:spPr>
+          <a:xfrm>
+            <a:off x="6421608" y="4783181"/>
+            <a:ext cx="1859483" cy="369332"/>
+          </a:xfrm>
+          <a:prstGeom prst="rect">
+            <a:avLst/>
+          </a:prstGeom>
+          <a:noFill/>
+        </p:spPr>
+        <p:txBody>
+          <a:bodyPr wrap="none" rtlCol="0">
+            <a:spAutoFit/>
+          </a:bodyPr>
+          <a:lstStyle/>
+          <a:p>
+            <a:r>
+              <a:rPr lang="en-US" dirty="0">
+                <a:solidFill>
+                  <a:srgbClr val="FF0000"/>
+                </a:solidFill>
+              </a:rPr>
+              <a:t>Direction of Flight</a:t>
+            </a:r>
+          </a:p>
+        </p:txBody>
+      </p:sp>
+      <p:cxnSp>
+        <p:nvCxnSpPr>
+          <p:cNvPr id="11" name="Straight Arrow Connector 10">
+            <a:extLst>
+              <a:ext uri="{FF2B5EF4-FFF2-40B4-BE49-F238E27FC236}">
+                <a16:creationId xmlns:a16="http://schemas.microsoft.com/office/drawing/2014/main" id="{08EBAC9C-F18A-46C5-8CAA-7987181163F4}"/>
+              </a:ext>
+            </a:extLst>
+          </p:cNvPr>
+          <p:cNvCxnSpPr>
+            <a:cxnSpLocks/>
+          </p:cNvCxnSpPr>
+          <p:nvPr/>
+        </p:nvCxnSpPr>
+        <p:spPr>
+          <a:xfrm>
+            <a:off x="6861640" y="3429000"/>
+            <a:ext cx="1035367" cy="222426"/>
+          </a:xfrm>
+          <a:prstGeom prst="straightConnector1">
+            <a:avLst/>
+          </a:prstGeom>
+          <a:ln>
+            <a:solidFill>
+              <a:srgbClr val="FF0000"/>
+            </a:solidFill>
+            <a:tailEnd type="triangle"/>
+          </a:ln>
+        </p:spPr>
+        <p:style>
+          <a:lnRef idx="1">
+            <a:schemeClr val="accent1"/>
+          </a:lnRef>
+          <a:fillRef idx="0">
+            <a:schemeClr val="accent1"/>
+          </a:fillRef>
+          <a:effectRef idx="0">
+            <a:schemeClr val="accent1"/>
+          </a:effectRef>
+          <a:fontRef idx="minor">
+            <a:schemeClr val="tx1"/>
+          </a:fontRef>
+        </p:style>
+      </p:cxnSp>
+      <p:sp>
+        <p:nvSpPr>
+          <p:cNvPr id="12" name="TextBox 11">
+            <a:extLst>
+              <a:ext uri="{FF2B5EF4-FFF2-40B4-BE49-F238E27FC236}">
+                <a16:creationId xmlns:a16="http://schemas.microsoft.com/office/drawing/2014/main" id="{DA6DA52D-C8EA-40C3-9AF5-C61F090DEAD7}"/>
+              </a:ext>
+            </a:extLst>
+          </p:cNvPr>
+          <p:cNvSpPr txBox="1"/>
+          <p:nvPr/>
+        </p:nvSpPr>
+        <p:spPr>
+          <a:xfrm>
+            <a:off x="7210601" y="3180034"/>
+            <a:ext cx="686406" cy="369332"/>
+          </a:xfrm>
+          <a:prstGeom prst="rect">
+            <a:avLst/>
+          </a:prstGeom>
+          <a:noFill/>
+        </p:spPr>
+        <p:txBody>
+          <a:bodyPr wrap="none" rtlCol="0">
+            <a:spAutoFit/>
+          </a:bodyPr>
+          <a:lstStyle/>
+          <a:p>
+            <a:r>
+              <a:rPr lang="en-US" dirty="0">
+                <a:solidFill>
+                  <a:srgbClr val="FF0000"/>
+                </a:solidFill>
+              </a:rPr>
+              <a:t>Wind</a:t>
+            </a:r>
+          </a:p>
+        </p:txBody>
+      </p:sp>
+      <p:pic>
+        <p:nvPicPr>
+          <p:cNvPr id="14" name="Picture 13">
+            <a:extLst>
+              <a:ext uri="{FF2B5EF4-FFF2-40B4-BE49-F238E27FC236}">
+                <a16:creationId xmlns:a16="http://schemas.microsoft.com/office/drawing/2014/main" id="{6AA1074D-97AA-4B46-BC95-5981A30A3B10}"/>
+              </a:ext>
+            </a:extLst>
+          </p:cNvPr>
+          <p:cNvPicPr>
+            <a:picLocks noChangeAspect="1"/>
+          </p:cNvPicPr>
+          <p:nvPr/>
+        </p:nvPicPr>
+        <p:blipFill rotWithShape="1">
+          <a:blip r:embed="rId3">
+            <a:extLst>
+              <a:ext uri="{BEBA8EAE-BF5A-486C-A8C5-ECC9F3942E4B}">
+                <a14:imgProps xmlns:a14="http://schemas.microsoft.com/office/drawing/2010/main">
+                  <a14:imgLayer r:embed="rId4">
+                    <a14:imgEffect>
+                      <a14:backgroundRemoval t="10000" b="90000" l="10000" r="90000"/>
+                    </a14:imgEffect>
+                  </a14:imgLayer>
+                </a14:imgProps>
+              </a:ext>
+              <a:ext uri="{28A0092B-C50C-407E-A947-70E740481C1C}">
+                <a14:useLocalDpi xmlns:a14="http://schemas.microsoft.com/office/drawing/2010/main" val="0"/>
+              </a:ext>
+            </a:extLst>
+          </a:blip>
+          <a:srcRect l="29975" t="10573" r="27397" b="8415"/>
+          <a:stretch/>
+        </p:blipFill>
+        <p:spPr>
+          <a:xfrm>
+            <a:off x="4838331" y="1095536"/>
+            <a:ext cx="4061532" cy="5789098"/>
+          </a:xfrm>
+          <a:prstGeom prst="rect">
+            <a:avLst/>
+          </a:prstGeom>
+        </p:spPr>
+      </p:pic>
+      <p:pic>
+        <p:nvPicPr>
+          <p:cNvPr id="17" name="Picture 16">
+            <a:extLst>
+              <a:ext uri="{FF2B5EF4-FFF2-40B4-BE49-F238E27FC236}">
+                <a16:creationId xmlns:a16="http://schemas.microsoft.com/office/drawing/2014/main" id="{44AADE9A-49D0-4662-8C5B-172BE125407A}"/>
+              </a:ext>
+            </a:extLst>
+          </p:cNvPr>
+          <p:cNvPicPr>
+            <a:picLocks noChangeAspect="1"/>
+          </p:cNvPicPr>
+          <p:nvPr/>
+        </p:nvPicPr>
+        <p:blipFill rotWithShape="1">
+          <a:blip r:embed="rId5">
+            <a:extLst>
+              <a:ext uri="{BEBA8EAE-BF5A-486C-A8C5-ECC9F3942E4B}">
+                <a14:imgProps xmlns:a14="http://schemas.microsoft.com/office/drawing/2010/main">
+                  <a14:imgLayer r:embed="rId6">
+                    <a14:imgEffect>
+                      <a14:backgroundRemoval t="10000" b="90000" l="10000" r="90000"/>
+                    </a14:imgEffect>
+                  </a14:imgLayer>
+                </a14:imgProps>
+              </a:ext>
+              <a:ext uri="{28A0092B-C50C-407E-A947-70E740481C1C}">
+                <a14:useLocalDpi xmlns:a14="http://schemas.microsoft.com/office/drawing/2010/main" val="0"/>
+              </a:ext>
+            </a:extLst>
+          </a:blip>
+          <a:srcRect l="30927" t="12169" r="27822" b="10939"/>
+          <a:stretch/>
+        </p:blipFill>
+        <p:spPr>
+          <a:xfrm>
+            <a:off x="5200450" y="1276782"/>
+            <a:ext cx="3504106" cy="5273336"/>
+          </a:xfrm>
+          <a:prstGeom prst="rect">
+            <a:avLst/>
+          </a:prstGeom>
+        </p:spPr>
+      </p:pic>
+      <p:pic>
+        <p:nvPicPr>
+          <p:cNvPr id="19" name="Picture 18">
+            <a:extLst>
+              <a:ext uri="{FF2B5EF4-FFF2-40B4-BE49-F238E27FC236}">
+                <a16:creationId xmlns:a16="http://schemas.microsoft.com/office/drawing/2014/main" id="{E3EE97A4-B3BF-4036-BB52-110518185C71}"/>
+              </a:ext>
+            </a:extLst>
+          </p:cNvPr>
+          <p:cNvPicPr>
+            <a:picLocks noChangeAspect="1"/>
+          </p:cNvPicPr>
+          <p:nvPr/>
+        </p:nvPicPr>
+        <p:blipFill rotWithShape="1">
+          <a:blip r:embed="rId7">
+            <a:extLst>
+              <a:ext uri="{BEBA8EAE-BF5A-486C-A8C5-ECC9F3942E4B}">
+                <a14:imgProps xmlns:a14="http://schemas.microsoft.com/office/drawing/2010/main">
+                  <a14:imgLayer r:embed="rId8">
+                    <a14:imgEffect>
+                      <a14:backgroundRemoval t="10000" b="90000" l="10000" r="90000"/>
+                    </a14:imgEffect>
+                  </a14:imgLayer>
+                </a14:imgProps>
+              </a:ext>
+              <a:ext uri="{28A0092B-C50C-407E-A947-70E740481C1C}">
+                <a14:useLocalDpi xmlns:a14="http://schemas.microsoft.com/office/drawing/2010/main" val="0"/>
+              </a:ext>
+            </a:extLst>
+          </a:blip>
+          <a:srcRect l="32233" t="12009" r="29781" b="11289"/>
+          <a:stretch/>
+        </p:blipFill>
+        <p:spPr>
+          <a:xfrm>
+            <a:off x="5200450" y="1312292"/>
+            <a:ext cx="3473422" cy="5202315"/>
+          </a:xfrm>
+          <a:prstGeom prst="rect">
+            <a:avLst/>
+          </a:prstGeom>
+        </p:spPr>
+      </p:pic>
     </p:spTree>
     <p:extLst>
       <p:ext uri="{BB962C8B-B14F-4D97-AF65-F5344CB8AC3E}">
@@ -4629,6 +5497,171 @@
   <p:clrMapOvr>
     <a:masterClrMapping/>
   </p:clrMapOvr>
+  <p:timing>
+    <p:tnLst>
+      <p:par>
+        <p:cTn id="1" dur="indefinite" restart="never" nodeType="tmRoot">
+          <p:childTnLst>
+            <p:seq concurrent="1" nextAc="seek">
+              <p:cTn id="2" dur="indefinite" nodeType="mainSeq">
+                <p:childTnLst>
+                  <p:par>
+                    <p:cTn id="3" fill="hold">
+                      <p:stCondLst>
+                        <p:cond delay="indefinite"/>
+                      </p:stCondLst>
+                      <p:childTnLst>
+                        <p:par>
+                          <p:cTn id="4" fill="hold">
+                            <p:stCondLst>
+                              <p:cond delay="0"/>
+                            </p:stCondLst>
+                            <p:childTnLst>
+                              <p:par>
+                                <p:cTn id="5" presetID="1" presetClass="entr" presetSubtype="0" fill="hold" nodeType="clickEffect">
+                                  <p:stCondLst>
+                                    <p:cond delay="0"/>
+                                  </p:stCondLst>
+                                  <p:childTnLst>
+                                    <p:set>
+                                      <p:cBhvr>
+                                        <p:cTn id="6" dur="1" fill="hold">
+                                          <p:stCondLst>
+                                            <p:cond delay="0"/>
+                                          </p:stCondLst>
+                                        </p:cTn>
+                                        <p:tgtEl>
+                                          <p:spTgt spid="14"/>
+                                        </p:tgtEl>
+                                        <p:attrNameLst>
+                                          <p:attrName>style.visibility</p:attrName>
+                                        </p:attrNameLst>
+                                      </p:cBhvr>
+                                      <p:to>
+                                        <p:strVal val="visible"/>
+                                      </p:to>
+                                    </p:set>
+                                  </p:childTnLst>
+                                </p:cTn>
+                              </p:par>
+                            </p:childTnLst>
+                          </p:cTn>
+                        </p:par>
+                      </p:childTnLst>
+                    </p:cTn>
+                  </p:par>
+                  <p:par>
+                    <p:cTn id="7" fill="hold">
+                      <p:stCondLst>
+                        <p:cond delay="indefinite"/>
+                      </p:stCondLst>
+                      <p:childTnLst>
+                        <p:par>
+                          <p:cTn id="8" fill="hold">
+                            <p:stCondLst>
+                              <p:cond delay="0"/>
+                            </p:stCondLst>
+                            <p:childTnLst>
+                              <p:par>
+                                <p:cTn id="9" presetID="1" presetClass="entr" presetSubtype="0" fill="hold" nodeType="clickEffect">
+                                  <p:stCondLst>
+                                    <p:cond delay="0"/>
+                                  </p:stCondLst>
+                                  <p:childTnLst>
+                                    <p:set>
+                                      <p:cBhvr>
+                                        <p:cTn id="10" dur="1" fill="hold">
+                                          <p:stCondLst>
+                                            <p:cond delay="0"/>
+                                          </p:stCondLst>
+                                        </p:cTn>
+                                        <p:tgtEl>
+                                          <p:spTgt spid="17"/>
+                                        </p:tgtEl>
+                                        <p:attrNameLst>
+                                          <p:attrName>style.visibility</p:attrName>
+                                        </p:attrNameLst>
+                                      </p:cBhvr>
+                                      <p:to>
+                                        <p:strVal val="visible"/>
+                                      </p:to>
+                                    </p:set>
+                                  </p:childTnLst>
+                                </p:cTn>
+                              </p:par>
+                            </p:childTnLst>
+                          </p:cTn>
+                        </p:par>
+                      </p:childTnLst>
+                    </p:cTn>
+                  </p:par>
+                  <p:par>
+                    <p:cTn id="11" fill="hold">
+                      <p:stCondLst>
+                        <p:cond delay="indefinite"/>
+                      </p:stCondLst>
+                      <p:childTnLst>
+                        <p:par>
+                          <p:cTn id="12" fill="hold">
+                            <p:stCondLst>
+                              <p:cond delay="0"/>
+                            </p:stCondLst>
+                            <p:childTnLst>
+                              <p:par>
+                                <p:cTn id="13" presetID="1" presetClass="entr" presetSubtype="0" fill="hold" nodeType="clickEffect">
+                                  <p:stCondLst>
+                                    <p:cond delay="0"/>
+                                  </p:stCondLst>
+                                  <p:childTnLst>
+                                    <p:set>
+                                      <p:cBhvr>
+                                        <p:cTn id="14" dur="1" fill="hold">
+                                          <p:stCondLst>
+                                            <p:cond delay="0"/>
+                                          </p:stCondLst>
+                                        </p:cTn>
+                                        <p:tgtEl>
+                                          <p:spTgt spid="19"/>
+                                        </p:tgtEl>
+                                        <p:attrNameLst>
+                                          <p:attrName>style.visibility</p:attrName>
+                                        </p:attrNameLst>
+                                      </p:cBhvr>
+                                      <p:to>
+                                        <p:strVal val="visible"/>
+                                      </p:to>
+                                    </p:set>
+                                  </p:childTnLst>
+                                </p:cTn>
+                              </p:par>
+                            </p:childTnLst>
+                          </p:cTn>
+                        </p:par>
+                      </p:childTnLst>
+                    </p:cTn>
+                  </p:par>
+                </p:childTnLst>
+              </p:cTn>
+              <p:prevCondLst>
+                <p:cond evt="onPrev" delay="0">
+                  <p:tgtEl>
+                    <p:sldTgt/>
+                  </p:tgtEl>
+                </p:cond>
+              </p:prevCondLst>
+              <p:nextCondLst>
+                <p:cond evt="onNext" delay="0">
+                  <p:tgtEl>
+                    <p:sldTgt/>
+                  </p:tgtEl>
+                </p:cond>
+              </p:nextCondLst>
+            </p:seq>
+          </p:childTnLst>
+        </p:cTn>
+      </p:par>
+    </p:tnLst>
+  </p:timing>
 </p:sld>
 </file>
 
@@ -4716,28 +5749,527 @@
             <a:pPr lvl="1"/>
             <a:r>
               <a:rPr lang="en-US" dirty="0"/>
-              <a:t>If the bomb had landed near a town, we would have heard gossip about it </a:t>
-            </a:r>
-          </a:p>
-          <a:p>
-            <a:pPr lvl="1"/>
+              <a:t>If the bomb had hit the ground, it </a:t>
+            </a:r>
+            <a:r>
+              <a:rPr lang="en-US" i="1" dirty="0"/>
+              <a:t>likely</a:t>
+            </a:r>
             <a:r>
               <a:rPr lang="en-US" dirty="0"/>
-              <a:t>The bomb didn’t land next to any of the others, or we would have seen it when we recovered them</a:t>
-            </a:r>
-          </a:p>
-          <a:p>
-            <a:r>
-              <a:rPr lang="en-US" dirty="0"/>
+              <a:t> would have exploded</a:t>
+            </a:r>
+          </a:p>
+        </p:txBody>
+      </p:sp>
+      <p:sp>
+        <p:nvSpPr>
+          <p:cNvPr id="7" name="TextBox 6">
+            <a:extLst>
+              <a:ext uri="{FF2B5EF4-FFF2-40B4-BE49-F238E27FC236}">
+                <a16:creationId xmlns:a16="http://schemas.microsoft.com/office/drawing/2014/main" id="{10D51B8C-1A08-41AA-B106-F0C3182CE45D}"/>
+              </a:ext>
+            </a:extLst>
+          </p:cNvPr>
+          <p:cNvSpPr txBox="1"/>
+          <p:nvPr/>
+        </p:nvSpPr>
+        <p:spPr>
+          <a:xfrm>
+            <a:off x="457200" y="3429000"/>
+            <a:ext cx="3910893" cy="1107996"/>
+          </a:xfrm>
+          <a:prstGeom prst="rect">
+            <a:avLst/>
+          </a:prstGeom>
+          <a:noFill/>
+        </p:spPr>
+        <p:txBody>
+          <a:bodyPr wrap="square" rtlCol="0">
+            <a:spAutoFit/>
+          </a:bodyPr>
+          <a:lstStyle/>
+          <a:p>
+            <a:pPr marL="342900" indent="-342900">
+              <a:buFont typeface="Arial" panose="020B0604020202020204" pitchFamily="34" charset="0"/>
+              <a:buChar char="•"/>
+            </a:pPr>
+            <a:r>
+              <a:rPr lang="en-US" sz="2400" dirty="0">
+                <a:solidFill>
+                  <a:schemeClr val="bg1"/>
+                </a:solidFill>
+              </a:rPr>
               <a:t>We can use these to modify the probability map</a:t>
             </a:r>
           </a:p>
-        </p:txBody>
-      </p:sp>
+          <a:p>
+            <a:endParaRPr lang="en-US" dirty="0">
+              <a:solidFill>
+                <a:schemeClr val="bg1"/>
+              </a:solidFill>
+            </a:endParaRPr>
+          </a:p>
+        </p:txBody>
+      </p:sp>
+      <p:pic>
+        <p:nvPicPr>
+          <p:cNvPr id="9" name="Picture 8">
+            <a:extLst>
+              <a:ext uri="{FF2B5EF4-FFF2-40B4-BE49-F238E27FC236}">
+                <a16:creationId xmlns:a16="http://schemas.microsoft.com/office/drawing/2014/main" id="{2C5C0929-53E6-4019-98F0-F6E85128BC60}"/>
+              </a:ext>
+            </a:extLst>
+          </p:cNvPr>
+          <p:cNvPicPr>
+            <a:picLocks noChangeAspect="1"/>
+          </p:cNvPicPr>
+          <p:nvPr/>
+        </p:nvPicPr>
+        <p:blipFill rotWithShape="1">
+          <a:blip r:embed="rId2">
+            <a:extLst>
+              <a:ext uri="{BEBA8EAE-BF5A-486C-A8C5-ECC9F3942E4B}">
+                <a14:imgProps xmlns:a14="http://schemas.microsoft.com/office/drawing/2010/main">
+                  <a14:imgLayer r:embed="rId3">
+                    <a14:imgEffect>
+                      <a14:backgroundRemoval t="10000" b="90000" l="10000" r="90000"/>
+                    </a14:imgEffect>
+                  </a14:imgLayer>
+                </a14:imgProps>
+              </a:ext>
+              <a:ext uri="{28A0092B-C50C-407E-A947-70E740481C1C}">
+                <a14:useLocalDpi xmlns:a14="http://schemas.microsoft.com/office/drawing/2010/main" val="0"/>
+              </a:ext>
+            </a:extLst>
+          </a:blip>
+          <a:srcRect l="30709" t="11797" r="28192" b="9594"/>
+          <a:stretch/>
+        </p:blipFill>
+        <p:spPr>
+          <a:xfrm>
+            <a:off x="5326601" y="1417638"/>
+            <a:ext cx="3480047" cy="5247276"/>
+          </a:xfrm>
+          <a:prstGeom prst="rect">
+            <a:avLst/>
+          </a:prstGeom>
+        </p:spPr>
+      </p:pic>
+      <p:pic>
+        <p:nvPicPr>
+          <p:cNvPr id="11" name="Picture 10">
+            <a:extLst>
+              <a:ext uri="{FF2B5EF4-FFF2-40B4-BE49-F238E27FC236}">
+                <a16:creationId xmlns:a16="http://schemas.microsoft.com/office/drawing/2014/main" id="{0EA31DE0-EBC9-456A-946B-06A247597DA6}"/>
+              </a:ext>
+            </a:extLst>
+          </p:cNvPr>
+          <p:cNvPicPr>
+            <a:picLocks noChangeAspect="1"/>
+          </p:cNvPicPr>
+          <p:nvPr/>
+        </p:nvPicPr>
+        <p:blipFill rotWithShape="1">
+          <a:blip r:embed="rId4">
+            <a:extLst>
+              <a:ext uri="{BEBA8EAE-BF5A-486C-A8C5-ECC9F3942E4B}">
+                <a14:imgProps xmlns:a14="http://schemas.microsoft.com/office/drawing/2010/main">
+                  <a14:imgLayer r:embed="rId5">
+                    <a14:imgEffect>
+                      <a14:backgroundRemoval t="10000" b="90000" l="10000" r="90000"/>
+                    </a14:imgEffect>
+                  </a14:imgLayer>
+                </a14:imgProps>
+              </a:ext>
+              <a:ext uri="{28A0092B-C50C-407E-A947-70E740481C1C}">
+                <a14:useLocalDpi xmlns:a14="http://schemas.microsoft.com/office/drawing/2010/main" val="0"/>
+              </a:ext>
+            </a:extLst>
+          </a:blip>
+          <a:srcRect l="30768" t="11780" r="28021" b="10671"/>
+          <a:stretch/>
+        </p:blipFill>
+        <p:spPr>
+          <a:xfrm>
+            <a:off x="5264459" y="1408760"/>
+            <a:ext cx="3595457" cy="5318297"/>
+          </a:xfrm>
+          <a:prstGeom prst="rect">
+            <a:avLst/>
+          </a:prstGeom>
+        </p:spPr>
+      </p:pic>
     </p:spTree>
     <p:extLst>
       <p:ext uri="{BB962C8B-B14F-4D97-AF65-F5344CB8AC3E}">
         <p14:creationId xmlns:p14="http://schemas.microsoft.com/office/powerpoint/2010/main" val="1914646267"/>
+      </p:ext>
+    </p:extLst>
+  </p:cSld>
+  <p:clrMapOvr>
+    <a:masterClrMapping/>
+  </p:clrMapOvr>
+  <p:timing>
+    <p:tnLst>
+      <p:par>
+        <p:cTn id="1" dur="indefinite" restart="never" nodeType="tmRoot">
+          <p:childTnLst>
+            <p:seq concurrent="1" nextAc="seek">
+              <p:cTn id="2" dur="indefinite" nodeType="mainSeq">
+                <p:childTnLst>
+                  <p:par>
+                    <p:cTn id="3" fill="hold">
+                      <p:stCondLst>
+                        <p:cond delay="indefinite"/>
+                      </p:stCondLst>
+                      <p:childTnLst>
+                        <p:par>
+                          <p:cTn id="4" fill="hold">
+                            <p:stCondLst>
+                              <p:cond delay="0"/>
+                            </p:stCondLst>
+                            <p:childTnLst>
+                              <p:par>
+                                <p:cTn id="5" presetID="1" presetClass="entr" presetSubtype="0" fill="hold" grpId="0" nodeType="clickEffect">
+                                  <p:stCondLst>
+                                    <p:cond delay="0"/>
+                                  </p:stCondLst>
+                                  <p:childTnLst>
+                                    <p:set>
+                                      <p:cBhvr>
+                                        <p:cTn id="6" dur="1" fill="hold">
+                                          <p:stCondLst>
+                                            <p:cond delay="0"/>
+                                          </p:stCondLst>
+                                        </p:cTn>
+                                        <p:tgtEl>
+                                          <p:spTgt spid="7"/>
+                                        </p:tgtEl>
+                                        <p:attrNameLst>
+                                          <p:attrName>style.visibility</p:attrName>
+                                        </p:attrNameLst>
+                                      </p:cBhvr>
+                                      <p:to>
+                                        <p:strVal val="visible"/>
+                                      </p:to>
+                                    </p:set>
+                                  </p:childTnLst>
+                                </p:cTn>
+                              </p:par>
+                            </p:childTnLst>
+                          </p:cTn>
+                        </p:par>
+                      </p:childTnLst>
+                    </p:cTn>
+                  </p:par>
+                  <p:par>
+                    <p:cTn id="7" fill="hold">
+                      <p:stCondLst>
+                        <p:cond delay="indefinite"/>
+                      </p:stCondLst>
+                      <p:childTnLst>
+                        <p:par>
+                          <p:cTn id="8" fill="hold">
+                            <p:stCondLst>
+                              <p:cond delay="0"/>
+                            </p:stCondLst>
+                            <p:childTnLst>
+                              <p:par>
+                                <p:cTn id="9" presetID="1" presetClass="entr" presetSubtype="0" fill="hold" nodeType="clickEffect">
+                                  <p:stCondLst>
+                                    <p:cond delay="0"/>
+                                  </p:stCondLst>
+                                  <p:childTnLst>
+                                    <p:set>
+                                      <p:cBhvr>
+                                        <p:cTn id="10" dur="1" fill="hold">
+                                          <p:stCondLst>
+                                            <p:cond delay="0"/>
+                                          </p:stCondLst>
+                                        </p:cTn>
+                                        <p:tgtEl>
+                                          <p:spTgt spid="11"/>
+                                        </p:tgtEl>
+                                        <p:attrNameLst>
+                                          <p:attrName>style.visibility</p:attrName>
+                                        </p:attrNameLst>
+                                      </p:cBhvr>
+                                      <p:to>
+                                        <p:strVal val="visible"/>
+                                      </p:to>
+                                    </p:set>
+                                  </p:childTnLst>
+                                </p:cTn>
+                              </p:par>
+                            </p:childTnLst>
+                          </p:cTn>
+                        </p:par>
+                      </p:childTnLst>
+                    </p:cTn>
+                  </p:par>
+                </p:childTnLst>
+              </p:cTn>
+              <p:prevCondLst>
+                <p:cond evt="onPrev" delay="0">
+                  <p:tgtEl>
+                    <p:sldTgt/>
+                  </p:tgtEl>
+                </p:cond>
+              </p:prevCondLst>
+              <p:nextCondLst>
+                <p:cond evt="onNext" delay="0">
+                  <p:tgtEl>
+                    <p:sldTgt/>
+                  </p:tgtEl>
+                </p:cond>
+              </p:nextCondLst>
+            </p:seq>
+          </p:childTnLst>
+        </p:cTn>
+      </p:par>
+    </p:tnLst>
+    <p:bldLst>
+      <p:bldP spid="7" grpId="0"/>
+    </p:bldLst>
+  </p:timing>
+</p:sld>
+</file>
+
+<file path=ppt/slides/slide9.xml><?xml version="1.0" encoding="utf-8"?>
+<p:sld xmlns:a="http://schemas.openxmlformats.org/drawingml/2006/main" xmlns:r="http://schemas.openxmlformats.org/officeDocument/2006/relationships" xmlns:p="http://schemas.openxmlformats.org/presentationml/2006/main">
+  <p:cSld>
+    <p:spTree>
+      <p:nvGrpSpPr>
+        <p:cNvPr id="1" name=""/>
+        <p:cNvGrpSpPr/>
+        <p:nvPr/>
+      </p:nvGrpSpPr>
+      <p:grpSpPr>
+        <a:xfrm>
+          <a:off x="0" y="0"/>
+          <a:ext cx="0" cy="0"/>
+          <a:chOff x="0" y="0"/>
+          <a:chExt cx="0" cy="0"/>
+        </a:xfrm>
+      </p:grpSpPr>
+      <p:sp>
+        <p:nvSpPr>
+          <p:cNvPr id="2" name="Title 1">
+            <a:extLst>
+              <a:ext uri="{FF2B5EF4-FFF2-40B4-BE49-F238E27FC236}">
+                <a16:creationId xmlns:a16="http://schemas.microsoft.com/office/drawing/2014/main" id="{243309DF-FEB4-43F8-99D6-D3DA60D9D644}"/>
+              </a:ext>
+            </a:extLst>
+          </p:cNvPr>
+          <p:cNvSpPr>
+            <a:spLocks noGrp="1"/>
+          </p:cNvSpPr>
+          <p:nvPr>
+            <p:ph type="title"/>
+          </p:nvPr>
+        </p:nvSpPr>
+        <p:spPr/>
+        <p:txBody>
+          <a:bodyPr/>
+          <a:lstStyle/>
+          <a:p>
+            <a:r>
+              <a:rPr lang="en-US" dirty="0" err="1"/>
+              <a:t>Palomares</a:t>
+            </a:r>
+            <a:r>
+              <a:rPr lang="en-US" dirty="0"/>
+              <a:t> Incident</a:t>
+            </a:r>
+          </a:p>
+        </p:txBody>
+      </p:sp>
+      <p:sp>
+        <p:nvSpPr>
+          <p:cNvPr id="3" name="Content Placeholder 2">
+            <a:extLst>
+              <a:ext uri="{FF2B5EF4-FFF2-40B4-BE49-F238E27FC236}">
+                <a16:creationId xmlns:a16="http://schemas.microsoft.com/office/drawing/2014/main" id="{F3497FCC-0C48-4056-BB45-9B90325FA3EB}"/>
+              </a:ext>
+            </a:extLst>
+          </p:cNvPr>
+          <p:cNvSpPr>
+            <a:spLocks noGrp="1"/>
+          </p:cNvSpPr>
+          <p:nvPr>
+            <p:ph idx="1"/>
+          </p:nvPr>
+        </p:nvSpPr>
+        <p:spPr>
+          <a:xfrm>
+            <a:off x="457200" y="1600202"/>
+            <a:ext cx="8229600" cy="4525963"/>
+          </a:xfrm>
+        </p:spPr>
+        <p:txBody>
+          <a:bodyPr/>
+          <a:lstStyle/>
+          <a:p>
+            <a:r>
+              <a:rPr lang="en-US" dirty="0"/>
+              <a:t>We then pick the highest-probability area(s) to search</a:t>
+            </a:r>
+          </a:p>
+        </p:txBody>
+      </p:sp>
+      <p:pic>
+        <p:nvPicPr>
+          <p:cNvPr id="5" name="Picture 4">
+            <a:extLst>
+              <a:ext uri="{FF2B5EF4-FFF2-40B4-BE49-F238E27FC236}">
+                <a16:creationId xmlns:a16="http://schemas.microsoft.com/office/drawing/2014/main" id="{4767A118-B730-4E51-A155-55CDEE656696}"/>
+              </a:ext>
+            </a:extLst>
+          </p:cNvPr>
+          <p:cNvPicPr>
+            <a:picLocks noChangeAspect="1"/>
+          </p:cNvPicPr>
+          <p:nvPr/>
+        </p:nvPicPr>
+        <p:blipFill rotWithShape="1">
+          <a:blip r:embed="rId2">
+            <a:extLst>
+              <a:ext uri="{BEBA8EAE-BF5A-486C-A8C5-ECC9F3942E4B}">
+                <a14:imgProps xmlns:a14="http://schemas.microsoft.com/office/drawing/2010/main">
+                  <a14:imgLayer r:embed="rId3">
+                    <a14:imgEffect>
+                      <a14:backgroundRemoval t="10000" b="90000" l="10000" r="90000"/>
+                    </a14:imgEffect>
+                  </a14:imgLayer>
+                </a14:imgProps>
+              </a:ext>
+              <a:ext uri="{28A0092B-C50C-407E-A947-70E740481C1C}">
+                <a14:useLocalDpi xmlns:a14="http://schemas.microsoft.com/office/drawing/2010/main" val="0"/>
+              </a:ext>
+            </a:extLst>
+          </a:blip>
+          <a:srcRect l="29140" t="10671" r="27716" b="8997"/>
+          <a:stretch/>
+        </p:blipFill>
+        <p:spPr>
+          <a:xfrm>
+            <a:off x="2938508" y="2076457"/>
+            <a:ext cx="3266983" cy="4781543"/>
+          </a:xfrm>
+          <a:prstGeom prst="rect">
+            <a:avLst/>
+          </a:prstGeom>
+        </p:spPr>
+      </p:pic>
+      <p:sp>
+        <p:nvSpPr>
+          <p:cNvPr id="6" name="Rectangle 5">
+            <a:extLst>
+              <a:ext uri="{FF2B5EF4-FFF2-40B4-BE49-F238E27FC236}">
+                <a16:creationId xmlns:a16="http://schemas.microsoft.com/office/drawing/2014/main" id="{78A7359A-EBD0-4D12-A77E-51F41E4137E6}"/>
+              </a:ext>
+            </a:extLst>
+          </p:cNvPr>
+          <p:cNvSpPr/>
+          <p:nvPr/>
+        </p:nvSpPr>
+        <p:spPr>
+          <a:xfrm rot="977489">
+            <a:off x="5442012" y="4385570"/>
+            <a:ext cx="159799" cy="523782"/>
+          </a:xfrm>
+          <a:prstGeom prst="rect">
+            <a:avLst/>
+          </a:prstGeom>
+          <a:noFill/>
+          <a:ln w="19050">
+            <a:solidFill>
+              <a:srgbClr val="FF0000"/>
+            </a:solidFill>
+          </a:ln>
+        </p:spPr>
+        <p:style>
+          <a:lnRef idx="2">
+            <a:schemeClr val="accent1">
+              <a:shade val="50000"/>
+            </a:schemeClr>
+          </a:lnRef>
+          <a:fillRef idx="1">
+            <a:schemeClr val="accent1"/>
+          </a:fillRef>
+          <a:effectRef idx="0">
+            <a:schemeClr val="accent1"/>
+          </a:effectRef>
+          <a:fontRef idx="minor">
+            <a:schemeClr val="lt1"/>
+          </a:fontRef>
+        </p:style>
+        <p:txBody>
+          <a:bodyPr rtlCol="0" anchor="ctr"/>
+          <a:lstStyle/>
+          <a:p>
+            <a:pPr algn="ctr"/>
+            <a:endParaRPr lang="en-US"/>
+          </a:p>
+        </p:txBody>
+      </p:sp>
+      <p:sp>
+        <p:nvSpPr>
+          <p:cNvPr id="7" name="Rectangle 6">
+            <a:extLst>
+              <a:ext uri="{FF2B5EF4-FFF2-40B4-BE49-F238E27FC236}">
+                <a16:creationId xmlns:a16="http://schemas.microsoft.com/office/drawing/2014/main" id="{5AE2C4E7-E761-4DA5-AEAD-15150CFC2FB6}"/>
+              </a:ext>
+            </a:extLst>
+          </p:cNvPr>
+          <p:cNvSpPr/>
+          <p:nvPr/>
+        </p:nvSpPr>
+        <p:spPr>
+          <a:xfrm rot="1109181">
+            <a:off x="4264330" y="4796640"/>
+            <a:ext cx="124288" cy="239697"/>
+          </a:xfrm>
+          <a:prstGeom prst="rect">
+            <a:avLst/>
+          </a:prstGeom>
+          <a:noFill/>
+          <a:ln w="19050">
+            <a:solidFill>
+              <a:srgbClr val="FF0000"/>
+            </a:solidFill>
+          </a:ln>
+        </p:spPr>
+        <p:style>
+          <a:lnRef idx="2">
+            <a:schemeClr val="accent1">
+              <a:shade val="50000"/>
+            </a:schemeClr>
+          </a:lnRef>
+          <a:fillRef idx="1">
+            <a:schemeClr val="accent1"/>
+          </a:fillRef>
+          <a:effectRef idx="0">
+            <a:schemeClr val="accent1"/>
+          </a:effectRef>
+          <a:fontRef idx="minor">
+            <a:schemeClr val="lt1"/>
+          </a:fontRef>
+        </p:style>
+        <p:txBody>
+          <a:bodyPr rtlCol="0" anchor="ctr"/>
+          <a:lstStyle/>
+          <a:p>
+            <a:pPr algn="ctr"/>
+            <a:endParaRPr lang="en-US"/>
+          </a:p>
+        </p:txBody>
+      </p:sp>
+    </p:spTree>
+    <p:extLst>
+      <p:ext uri="{BB962C8B-B14F-4D97-AF65-F5344CB8AC3E}">
+        <p14:creationId xmlns:p14="http://schemas.microsoft.com/office/powerpoint/2010/main" val="3880160553"/>
       </p:ext>
     </p:extLst>
   </p:cSld>
